--- a/k6_Postman_Playwright.pptx
+++ b/k6_Postman_Playwright.pptx
@@ -12,7 +12,9 @@
     <p:sldId id="260" r:id="rId6"/>
     <p:sldId id="262" r:id="rId7"/>
     <p:sldId id="263" r:id="rId8"/>
-    <p:sldId id="261" r:id="rId9"/>
+    <p:sldId id="264" r:id="rId9"/>
+    <p:sldId id="265" r:id="rId10"/>
+    <p:sldId id="261" r:id="rId11"/>
   </p:sldIdLst>
   <p:sldSz cx="12192000" cy="6858000"/>
   <p:notesSz cx="6858000" cy="9144000"/>
@@ -4362,7 +4364,7 @@
           <a:p>
             <a:fld id="{C764DE79-268F-4C1A-8933-263129D2AF90}" type="datetimeFigureOut">
               <a:rPr lang="en-US" dirty="0"/>
-              <a:t>1/17/2024</a:t>
+              <a:t>3/22/2024</a:t>
             </a:fld>
             <a:endParaRPr lang="en-US" dirty="0"/>
           </a:p>
@@ -4530,7 +4532,7 @@
           <a:p>
             <a:fld id="{C764DE79-268F-4C1A-8933-263129D2AF90}" type="datetimeFigureOut">
               <a:rPr lang="en-US" dirty="0"/>
-              <a:t>1/17/2024</a:t>
+              <a:t>3/22/2024</a:t>
             </a:fld>
             <a:endParaRPr lang="en-US" dirty="0"/>
           </a:p>
@@ -4708,7 +4710,7 @@
           <a:p>
             <a:fld id="{C764DE79-268F-4C1A-8933-263129D2AF90}" type="datetimeFigureOut">
               <a:rPr lang="en-US" dirty="0"/>
-              <a:t>1/17/2024</a:t>
+              <a:t>3/22/2024</a:t>
             </a:fld>
             <a:endParaRPr lang="en-US" dirty="0"/>
           </a:p>
@@ -4876,7 +4878,7 @@
           <a:p>
             <a:fld id="{C764DE79-268F-4C1A-8933-263129D2AF90}" type="datetimeFigureOut">
               <a:rPr lang="en-US" dirty="0"/>
-              <a:t>1/17/2024</a:t>
+              <a:t>3/22/2024</a:t>
             </a:fld>
             <a:endParaRPr lang="en-US" dirty="0"/>
           </a:p>
@@ -5121,7 +5123,7 @@
           <a:p>
             <a:fld id="{C764DE79-268F-4C1A-8933-263129D2AF90}" type="datetimeFigureOut">
               <a:rPr lang="en-US" dirty="0"/>
-              <a:t>1/17/2024</a:t>
+              <a:t>3/22/2024</a:t>
             </a:fld>
             <a:endParaRPr lang="en-US" dirty="0"/>
           </a:p>
@@ -5350,7 +5352,7 @@
           <a:p>
             <a:fld id="{C764DE79-268F-4C1A-8933-263129D2AF90}" type="datetimeFigureOut">
               <a:rPr lang="en-US" dirty="0"/>
-              <a:t>1/17/2024</a:t>
+              <a:t>3/22/2024</a:t>
             </a:fld>
             <a:endParaRPr lang="en-US" dirty="0"/>
           </a:p>
@@ -5714,7 +5716,7 @@
           <a:p>
             <a:fld id="{C764DE79-268F-4C1A-8933-263129D2AF90}" type="datetimeFigureOut">
               <a:rPr lang="en-US" dirty="0"/>
-              <a:t>1/17/2024</a:t>
+              <a:t>3/22/2024</a:t>
             </a:fld>
             <a:endParaRPr lang="en-US" dirty="0"/>
           </a:p>
@@ -5831,7 +5833,7 @@
           <a:p>
             <a:fld id="{C764DE79-268F-4C1A-8933-263129D2AF90}" type="datetimeFigureOut">
               <a:rPr lang="en-US" dirty="0"/>
-              <a:t>1/17/2024</a:t>
+              <a:t>3/22/2024</a:t>
             </a:fld>
             <a:endParaRPr lang="en-US" dirty="0"/>
           </a:p>
@@ -5926,7 +5928,7 @@
           <a:p>
             <a:fld id="{C764DE79-268F-4C1A-8933-263129D2AF90}" type="datetimeFigureOut">
               <a:rPr lang="en-US" dirty="0"/>
-              <a:t>1/17/2024</a:t>
+              <a:t>3/22/2024</a:t>
             </a:fld>
             <a:endParaRPr lang="en-US" dirty="0"/>
           </a:p>
@@ -6201,7 +6203,7 @@
           <a:p>
             <a:fld id="{C764DE79-268F-4C1A-8933-263129D2AF90}" type="datetimeFigureOut">
               <a:rPr lang="en-US" dirty="0"/>
-              <a:t>1/17/2024</a:t>
+              <a:t>3/22/2024</a:t>
             </a:fld>
             <a:endParaRPr lang="en-US" dirty="0"/>
           </a:p>
@@ -6453,7 +6455,7 @@
           <a:p>
             <a:fld id="{C764DE79-268F-4C1A-8933-263129D2AF90}" type="datetimeFigureOut">
               <a:rPr lang="en-US" dirty="0"/>
-              <a:t>1/17/2024</a:t>
+              <a:t>3/22/2024</a:t>
             </a:fld>
             <a:endParaRPr lang="en-US" dirty="0"/>
           </a:p>
@@ -6664,7 +6666,7 @@
           <a:p>
             <a:fld id="{C764DE79-268F-4C1A-8933-263129D2AF90}" type="datetimeFigureOut">
               <a:rPr lang="en-US" dirty="0"/>
-              <a:t>1/17/2024</a:t>
+              <a:t>3/22/2024</a:t>
             </a:fld>
             <a:endParaRPr lang="en-US" dirty="0"/>
           </a:p>
@@ -7763,7 +7765,7 @@
               <a:buChar char="•"/>
             </a:pPr>
             <a:r>
-              <a:rPr lang="en-US" sz="1700" b="1"/>
+              <a:rPr lang="en-US" sz="1700" b="1" dirty="0"/>
               <a:t>JMeter Vs K6-</a:t>
             </a:r>
           </a:p>
@@ -7773,7 +7775,7 @@
               <a:buChar char="•"/>
             </a:pPr>
             <a:r>
-              <a:rPr lang="en-US" sz="1700"/>
+              <a:rPr lang="en-US" sz="1700" dirty="0"/>
               <a:t>JMeter needs java or JDK installed while K6 does not need node JS ,it just need k6 bundle.</a:t>
             </a:r>
           </a:p>
@@ -7783,8 +7785,8 @@
               <a:buChar char="•"/>
             </a:pPr>
             <a:r>
-              <a:rPr lang="en-US" sz="1700"/>
-              <a:t>JMeter comes with UI while K6 is without UI. It supports highly configurable test design, can be written in git , hence it can be version controlled.</a:t>
+              <a:rPr lang="en-US" sz="1700" dirty="0"/>
+              <a:t>JMeter comes with UI while K6 is without UI. It supports highly configurable test design, can be written in git , hence it can be version controlled. Easier setup</a:t>
             </a:r>
           </a:p>
           <a:p>
@@ -7792,7 +7794,7 @@
               <a:buFont typeface="Arial" panose="020B0604020202020204" pitchFamily="34" charset="0"/>
               <a:buChar char="•"/>
             </a:pPr>
-            <a:endParaRPr lang="en-US" sz="1700" b="1"/>
+            <a:endParaRPr lang="en-US" sz="1700" b="1" dirty="0"/>
           </a:p>
           <a:p>
             <a:pPr indent="-228600" algn="l">
@@ -7800,10 +7802,10 @@
               <a:buChar char="•"/>
             </a:pPr>
             <a:r>
-              <a:rPr lang="en-US" sz="1700" b="1"/>
+              <a:rPr lang="en-US" sz="1700" b="1" dirty="0"/>
               <a:t>Performance Testing using Postman Canary</a:t>
             </a:r>
-            <a:endParaRPr lang="en-US" sz="1700"/>
+            <a:endParaRPr lang="en-US" sz="1700" dirty="0"/>
           </a:p>
           <a:p>
             <a:pPr indent="-228600" algn="l">
@@ -7811,16 +7813,16 @@
               <a:buChar char="•"/>
             </a:pPr>
             <a:r>
-              <a:rPr lang="en-US" sz="1700"/>
+              <a:rPr lang="en-US" sz="1700" dirty="0"/>
               <a:t>Download Postman Canary  </a:t>
             </a:r>
             <a:r>
-              <a:rPr lang="en-US" sz="1700">
+              <a:rPr lang="en-US" sz="1700" dirty="0">
                 <a:hlinkClick r:id="rId2"/>
               </a:rPr>
               <a:t>Postman Canary: For Mac, Windows, &amp; Linux</a:t>
             </a:r>
-            <a:endParaRPr lang="en-US" sz="1700"/>
+            <a:endParaRPr lang="en-US" sz="1700" dirty="0"/>
           </a:p>
           <a:p>
             <a:pPr indent="-228600" algn="l">
@@ -7828,7 +7830,7 @@
               <a:buChar char="•"/>
             </a:pPr>
             <a:r>
-              <a:rPr lang="en-US" sz="1700"/>
+              <a:rPr lang="en-US" sz="1700" dirty="0"/>
               <a:t>2.   Create Collection </a:t>
             </a:r>
           </a:p>
@@ -7838,7 +7840,7 @@
               <a:buChar char="•"/>
             </a:pPr>
             <a:r>
-              <a:rPr lang="en-US" sz="1700"/>
+              <a:rPr lang="en-US" sz="1700" dirty="0"/>
               <a:t>3.   Run Collection</a:t>
             </a:r>
           </a:p>
@@ -7848,7 +7850,7 @@
               <a:buChar char="•"/>
             </a:pPr>
             <a:r>
-              <a:rPr lang="en-US" sz="1700"/>
+              <a:rPr lang="en-US" sz="1700" dirty="0"/>
               <a:t>4.   Go to Performance Tab</a:t>
             </a:r>
           </a:p>
@@ -7858,7 +7860,7 @@
               <a:buChar char="•"/>
             </a:pPr>
             <a:r>
-              <a:rPr lang="en-US" sz="1700"/>
+              <a:rPr lang="en-US" sz="1700" dirty="0"/>
               <a:t>5.   Enter Virtual users ,Time duration for test and Ramp up period.</a:t>
             </a:r>
           </a:p>
@@ -7868,30 +7870,30 @@
               <a:buChar char="•"/>
             </a:pPr>
             <a:r>
-              <a:rPr lang="en-US" sz="1700"/>
+              <a:rPr lang="en-US" sz="1700" dirty="0"/>
               <a:t>6.   </a:t>
             </a:r>
             <a:r>
-              <a:rPr lang="en-US" sz="1700">
+              <a:rPr lang="en-US" sz="1700" dirty="0">
                 <a:hlinkClick r:id="rId3"/>
               </a:rPr>
               <a:t>Performance Test with Postman Canary | by Alex Rodriguez | Medium</a:t>
             </a:r>
-            <a:endParaRPr lang="en-US" sz="1700"/>
+            <a:endParaRPr lang="en-US" sz="1700" dirty="0"/>
           </a:p>
           <a:p>
             <a:pPr indent="-228600" algn="l">
               <a:buFont typeface="Arial" panose="020B0604020202020204" pitchFamily="34" charset="0"/>
               <a:buChar char="•"/>
             </a:pPr>
-            <a:endParaRPr lang="en-US" sz="1700" b="1"/>
+            <a:endParaRPr lang="en-US" sz="1700" b="1" dirty="0"/>
           </a:p>
           <a:p>
             <a:pPr indent="-228600" algn="l">
               <a:buFont typeface="Arial" panose="020B0604020202020204" pitchFamily="34" charset="0"/>
               <a:buChar char="•"/>
             </a:pPr>
-            <a:endParaRPr lang="en-US" sz="1700"/>
+            <a:endParaRPr lang="en-US" sz="1700" dirty="0"/>
           </a:p>
         </p:txBody>
       </p:sp>
@@ -7908,1894 +7910,7 @@
 </p:sld>
 </file>
 
-<file path=ppt/slides/slide2.xml><?xml version="1.0" encoding="utf-8"?>
-<p:sld xmlns:a="http://schemas.openxmlformats.org/drawingml/2006/main" xmlns:r="http://schemas.openxmlformats.org/officeDocument/2006/relationships" xmlns:p="http://schemas.openxmlformats.org/presentationml/2006/main">
-  <p:cSld>
-    <p:bg>
-      <p:bgPr>
-        <a:solidFill>
-          <a:schemeClr val="bg1"/>
-        </a:solidFill>
-        <a:effectLst/>
-      </p:bgPr>
-    </p:bg>
-    <p:spTree>
-      <p:nvGrpSpPr>
-        <p:cNvPr id="1" name=""/>
-        <p:cNvGrpSpPr/>
-        <p:nvPr/>
-      </p:nvGrpSpPr>
-      <p:grpSpPr>
-        <a:xfrm>
-          <a:off x="0" y="0"/>
-          <a:ext cx="0" cy="0"/>
-          <a:chOff x="0" y="0"/>
-          <a:chExt cx="0" cy="0"/>
-        </a:xfrm>
-      </p:grpSpPr>
-      <p:sp>
-        <p:nvSpPr>
-          <p:cNvPr id="17" name="Rectangle 16">
-            <a:extLst>
-              <a:ext uri="{FF2B5EF4-FFF2-40B4-BE49-F238E27FC236}">
-                <a16:creationId xmlns:a16="http://schemas.microsoft.com/office/drawing/2014/main" id="{A4AC5506-6312-4701-8D3C-40187889A947}"/>
-              </a:ext>
-              <a:ext uri="{C183D7F6-B498-43B3-948B-1728B52AA6E4}">
-                <adec:decorative xmlns:adec="http://schemas.microsoft.com/office/drawing/2017/decorative" val="1"/>
-              </a:ext>
-            </a:extLst>
-          </p:cNvPr>
-          <p:cNvSpPr>
-            <a:spLocks noGrp="1" noRot="1" noChangeAspect="1" noMove="1" noResize="1" noEditPoints="1" noAdjustHandles="1" noChangeArrowheads="1" noChangeShapeType="1" noTextEdit="1"/>
-          </p:cNvSpPr>
-          <p:nvPr>
-            <p:extLst>
-              <p:ext uri="{386F3935-93C4-4BCD-93E2-E3B085C9AB24}">
-                <p16:designElem xmlns:p16="http://schemas.microsoft.com/office/powerpoint/2015/main" val="1"/>
-              </p:ext>
-            </p:extLst>
-          </p:nvPr>
-        </p:nvSpPr>
-        <p:spPr>
-          <a:xfrm>
-            <a:off x="0" y="651752"/>
-            <a:ext cx="12192000" cy="736551"/>
-          </a:xfrm>
-          <a:prstGeom prst="rect">
-            <a:avLst/>
-          </a:prstGeom>
-          <a:solidFill>
-            <a:schemeClr val="tx1"/>
-          </a:solidFill>
-          <a:ln>
-            <a:noFill/>
-          </a:ln>
-        </p:spPr>
-        <p:style>
-          <a:lnRef idx="2">
-            <a:schemeClr val="accent1">
-              <a:shade val="50000"/>
-            </a:schemeClr>
-          </a:lnRef>
-          <a:fillRef idx="1">
-            <a:schemeClr val="accent1"/>
-          </a:fillRef>
-          <a:effectRef idx="0">
-            <a:schemeClr val="accent1"/>
-          </a:effectRef>
-          <a:fontRef idx="minor">
-            <a:schemeClr val="lt1"/>
-          </a:fontRef>
-        </p:style>
-        <p:txBody>
-          <a:bodyPr rtlCol="0" anchor="ctr"/>
-          <a:lstStyle/>
-          <a:p>
-            <a:pPr algn="ctr"/>
-            <a:endParaRPr lang="en-US"/>
-          </a:p>
-        </p:txBody>
-      </p:sp>
-      <p:sp>
-        <p:nvSpPr>
-          <p:cNvPr id="2" name="Title 1">
-            <a:extLst>
-              <a:ext uri="{FF2B5EF4-FFF2-40B4-BE49-F238E27FC236}">
-                <a16:creationId xmlns:a16="http://schemas.microsoft.com/office/drawing/2014/main" id="{1080A7F8-6393-5AEB-3E9D-A175E65376F4}"/>
-              </a:ext>
-            </a:extLst>
-          </p:cNvPr>
-          <p:cNvSpPr>
-            <a:spLocks noGrp="1"/>
-          </p:cNvSpPr>
-          <p:nvPr>
-            <p:ph type="title"/>
-          </p:nvPr>
-        </p:nvSpPr>
-        <p:spPr>
-          <a:xfrm>
-            <a:off x="556532" y="643467"/>
-            <a:ext cx="11210925" cy="744836"/>
-          </a:xfrm>
-        </p:spPr>
-        <p:txBody>
-          <a:bodyPr vert="horz" lIns="91440" tIns="45720" rIns="91440" bIns="45720" rtlCol="0" anchor="ctr">
-            <a:normAutofit/>
-          </a:bodyPr>
-          <a:lstStyle/>
-          <a:p>
-            <a:pPr algn="ctr"/>
-            <a:r>
-              <a:rPr lang="en-US" sz="3200" kern="1200">
-                <a:solidFill>
-                  <a:schemeClr val="bg1"/>
-                </a:solidFill>
-                <a:latin typeface="+mj-lt"/>
-                <a:ea typeface="+mj-ea"/>
-                <a:cs typeface="+mj-cs"/>
-              </a:rPr>
-              <a:t>                 Postman Canary – Performance Testing using Postman</a:t>
-            </a:r>
-          </a:p>
-        </p:txBody>
-      </p:sp>
-      <p:pic>
-        <p:nvPicPr>
-          <p:cNvPr id="4" name="Content Placeholder 3">
-            <a:extLst>
-              <a:ext uri="{FF2B5EF4-FFF2-40B4-BE49-F238E27FC236}">
-                <a16:creationId xmlns:a16="http://schemas.microsoft.com/office/drawing/2014/main" id="{F299A85D-D993-12E3-5EE7-66A5113ACD2F}"/>
-              </a:ext>
-            </a:extLst>
-          </p:cNvPr>
-          <p:cNvPicPr>
-            <a:picLocks noGrp="1" noChangeAspect="1"/>
-          </p:cNvPicPr>
-          <p:nvPr>
-            <p:ph idx="1"/>
-          </p:nvPr>
-        </p:nvPicPr>
-        <p:blipFill>
-          <a:blip r:embed="rId2"/>
-          <a:stretch>
-            <a:fillRect/>
-          </a:stretch>
-        </p:blipFill>
-        <p:spPr>
-          <a:xfrm>
-            <a:off x="1634882" y="1675227"/>
-            <a:ext cx="8922235" cy="4394199"/>
-          </a:xfrm>
-          <a:prstGeom prst="rect">
-            <a:avLst/>
-          </a:prstGeom>
-        </p:spPr>
-      </p:pic>
-    </p:spTree>
-    <p:extLst>
-      <p:ext uri="{BB962C8B-B14F-4D97-AF65-F5344CB8AC3E}">
-        <p14:creationId xmlns:p14="http://schemas.microsoft.com/office/powerpoint/2010/main" val="3981751657"/>
-      </p:ext>
-    </p:extLst>
-  </p:cSld>
-  <p:clrMapOvr>
-    <a:masterClrMapping/>
-  </p:clrMapOvr>
-</p:sld>
-</file>
-
-<file path=ppt/slides/slide3.xml><?xml version="1.0" encoding="utf-8"?>
-<p:sld xmlns:a="http://schemas.openxmlformats.org/drawingml/2006/main" xmlns:r="http://schemas.openxmlformats.org/officeDocument/2006/relationships" xmlns:p="http://schemas.openxmlformats.org/presentationml/2006/main">
-  <p:cSld>
-    <p:bg>
-      <p:bgPr>
-        <a:solidFill>
-          <a:schemeClr val="bg1"/>
-        </a:solidFill>
-        <a:effectLst/>
-      </p:bgPr>
-    </p:bg>
-    <p:spTree>
-      <p:nvGrpSpPr>
-        <p:cNvPr id="1" name=""/>
-        <p:cNvGrpSpPr/>
-        <p:nvPr/>
-      </p:nvGrpSpPr>
-      <p:grpSpPr>
-        <a:xfrm>
-          <a:off x="0" y="0"/>
-          <a:ext cx="0" cy="0"/>
-          <a:chOff x="0" y="0"/>
-          <a:chExt cx="0" cy="0"/>
-        </a:xfrm>
-      </p:grpSpPr>
-      <p:sp>
-        <p:nvSpPr>
-          <p:cNvPr id="23" name="Rectangle 22">
-            <a:extLst>
-              <a:ext uri="{FF2B5EF4-FFF2-40B4-BE49-F238E27FC236}">
-                <a16:creationId xmlns:a16="http://schemas.microsoft.com/office/drawing/2014/main" id="{A4AC5506-6312-4701-8D3C-40187889A947}"/>
-              </a:ext>
-              <a:ext uri="{C183D7F6-B498-43B3-948B-1728B52AA6E4}">
-                <adec:decorative xmlns:adec="http://schemas.microsoft.com/office/drawing/2017/decorative" val="1"/>
-              </a:ext>
-            </a:extLst>
-          </p:cNvPr>
-          <p:cNvSpPr>
-            <a:spLocks noGrp="1" noRot="1" noChangeAspect="1" noMove="1" noResize="1" noEditPoints="1" noAdjustHandles="1" noChangeArrowheads="1" noChangeShapeType="1" noTextEdit="1"/>
-          </p:cNvSpPr>
-          <p:nvPr>
-            <p:extLst>
-              <p:ext uri="{386F3935-93C4-4BCD-93E2-E3B085C9AB24}">
-                <p16:designElem xmlns:p16="http://schemas.microsoft.com/office/powerpoint/2015/main" val="1"/>
-              </p:ext>
-            </p:extLst>
-          </p:nvPr>
-        </p:nvSpPr>
-        <p:spPr>
-          <a:xfrm>
-            <a:off x="0" y="651752"/>
-            <a:ext cx="12192000" cy="736551"/>
-          </a:xfrm>
-          <a:prstGeom prst="rect">
-            <a:avLst/>
-          </a:prstGeom>
-          <a:solidFill>
-            <a:schemeClr val="tx1"/>
-          </a:solidFill>
-          <a:ln>
-            <a:noFill/>
-          </a:ln>
-        </p:spPr>
-        <p:style>
-          <a:lnRef idx="2">
-            <a:schemeClr val="accent1">
-              <a:shade val="50000"/>
-            </a:schemeClr>
-          </a:lnRef>
-          <a:fillRef idx="1">
-            <a:schemeClr val="accent1"/>
-          </a:fillRef>
-          <a:effectRef idx="0">
-            <a:schemeClr val="accent1"/>
-          </a:effectRef>
-          <a:fontRef idx="minor">
-            <a:schemeClr val="lt1"/>
-          </a:fontRef>
-        </p:style>
-        <p:txBody>
-          <a:bodyPr rtlCol="0" anchor="ctr"/>
-          <a:lstStyle/>
-          <a:p>
-            <a:pPr algn="ctr"/>
-            <a:endParaRPr lang="en-US"/>
-          </a:p>
-        </p:txBody>
-      </p:sp>
-      <p:sp>
-        <p:nvSpPr>
-          <p:cNvPr id="2" name="Title 1">
-            <a:extLst>
-              <a:ext uri="{FF2B5EF4-FFF2-40B4-BE49-F238E27FC236}">
-                <a16:creationId xmlns:a16="http://schemas.microsoft.com/office/drawing/2014/main" id="{6EC3F0F3-57AF-505B-59BE-65DC02D5D51D}"/>
-              </a:ext>
-            </a:extLst>
-          </p:cNvPr>
-          <p:cNvSpPr>
-            <a:spLocks noGrp="1"/>
-          </p:cNvSpPr>
-          <p:nvPr>
-            <p:ph type="title"/>
-          </p:nvPr>
-        </p:nvSpPr>
-        <p:spPr>
-          <a:xfrm>
-            <a:off x="556532" y="643467"/>
-            <a:ext cx="11210925" cy="744836"/>
-          </a:xfrm>
-        </p:spPr>
-        <p:txBody>
-          <a:bodyPr vert="horz" lIns="91440" tIns="45720" rIns="91440" bIns="45720" rtlCol="0" anchor="ctr">
-            <a:normAutofit/>
-          </a:bodyPr>
-          <a:lstStyle/>
-          <a:p>
-            <a:pPr algn="ctr"/>
-            <a:r>
-              <a:rPr lang="en-US" sz="3200" kern="1200">
-                <a:solidFill>
-                  <a:schemeClr val="bg1"/>
-                </a:solidFill>
-                <a:latin typeface="+mj-lt"/>
-                <a:ea typeface="+mj-ea"/>
-                <a:cs typeface="+mj-cs"/>
-              </a:rPr>
-              <a:t>Performance Report</a:t>
-            </a:r>
-          </a:p>
-        </p:txBody>
-      </p:sp>
-      <p:pic>
-        <p:nvPicPr>
-          <p:cNvPr id="4" name="Content Placeholder 3" descr="A screenshot of a graph&#10;&#10;Description automatically generated">
-            <a:extLst>
-              <a:ext uri="{FF2B5EF4-FFF2-40B4-BE49-F238E27FC236}">
-                <a16:creationId xmlns:a16="http://schemas.microsoft.com/office/drawing/2014/main" id="{A4F2ECA7-B5B9-6CC7-0D6D-46D90DBF4496}"/>
-              </a:ext>
-            </a:extLst>
-          </p:cNvPr>
-          <p:cNvPicPr>
-            <a:picLocks noGrp="1" noChangeAspect="1"/>
-          </p:cNvPicPr>
-          <p:nvPr>
-            <p:ph idx="1"/>
-          </p:nvPr>
-        </p:nvPicPr>
-        <p:blipFill>
-          <a:blip r:embed="rId2"/>
-          <a:stretch>
-            <a:fillRect/>
-          </a:stretch>
-        </p:blipFill>
-        <p:spPr>
-          <a:xfrm>
-            <a:off x="2580641" y="1675227"/>
-            <a:ext cx="7030717" cy="4394199"/>
-          </a:xfrm>
-          <a:prstGeom prst="rect">
-            <a:avLst/>
-          </a:prstGeom>
-        </p:spPr>
-      </p:pic>
-    </p:spTree>
-    <p:extLst>
-      <p:ext uri="{BB962C8B-B14F-4D97-AF65-F5344CB8AC3E}">
-        <p14:creationId xmlns:p14="http://schemas.microsoft.com/office/powerpoint/2010/main" val="672569914"/>
-      </p:ext>
-    </p:extLst>
-  </p:cSld>
-  <p:clrMapOvr>
-    <a:masterClrMapping/>
-  </p:clrMapOvr>
-</p:sld>
-</file>
-
-<file path=ppt/slides/slide4.xml><?xml version="1.0" encoding="utf-8"?>
-<p:sld xmlns:a="http://schemas.openxmlformats.org/drawingml/2006/main" xmlns:r="http://schemas.openxmlformats.org/officeDocument/2006/relationships" xmlns:p="http://schemas.openxmlformats.org/presentationml/2006/main">
-  <p:cSld>
-    <p:bg>
-      <p:bgPr>
-        <a:solidFill>
-          <a:schemeClr val="bg1"/>
-        </a:solidFill>
-        <a:effectLst/>
-      </p:bgPr>
-    </p:bg>
-    <p:spTree>
-      <p:nvGrpSpPr>
-        <p:cNvPr id="1" name=""/>
-        <p:cNvGrpSpPr/>
-        <p:nvPr/>
-      </p:nvGrpSpPr>
-      <p:grpSpPr>
-        <a:xfrm>
-          <a:off x="0" y="0"/>
-          <a:ext cx="0" cy="0"/>
-          <a:chOff x="0" y="0"/>
-          <a:chExt cx="0" cy="0"/>
-        </a:xfrm>
-      </p:grpSpPr>
-      <p:sp useBgFill="1">
-        <p:nvSpPr>
-          <p:cNvPr id="16" name="Rectangle 15">
-            <a:extLst>
-              <a:ext uri="{FF2B5EF4-FFF2-40B4-BE49-F238E27FC236}">
-                <a16:creationId xmlns:a16="http://schemas.microsoft.com/office/drawing/2014/main" id="{AFF8D2E5-2C4E-47B1-930B-6C82B7C31331}"/>
-              </a:ext>
-              <a:ext uri="{C183D7F6-B498-43B3-948B-1728B52AA6E4}">
-                <adec:decorative xmlns:adec="http://schemas.microsoft.com/office/drawing/2017/decorative" val="1"/>
-              </a:ext>
-            </a:extLst>
-          </p:cNvPr>
-          <p:cNvSpPr>
-            <a:spLocks noGrp="1" noRot="1" noChangeAspect="1" noMove="1" noResize="1" noEditPoints="1" noAdjustHandles="1" noChangeArrowheads="1" noChangeShapeType="1" noTextEdit="1"/>
-          </p:cNvSpPr>
-          <p:nvPr>
-            <p:extLst>
-              <p:ext uri="{386F3935-93C4-4BCD-93E2-E3B085C9AB24}">
-                <p16:designElem xmlns:p16="http://schemas.microsoft.com/office/powerpoint/2015/main" val="1"/>
-              </p:ext>
-            </p:extLst>
-          </p:nvPr>
-        </p:nvSpPr>
-        <p:spPr>
-          <a:xfrm>
-            <a:off x="0" y="0"/>
-            <a:ext cx="12192000" cy="6858000"/>
-          </a:xfrm>
-          <a:prstGeom prst="rect">
-            <a:avLst/>
-          </a:prstGeom>
-          <a:ln>
-            <a:noFill/>
-          </a:ln>
-        </p:spPr>
-        <p:style>
-          <a:lnRef idx="2">
-            <a:schemeClr val="accent1">
-              <a:shade val="50000"/>
-            </a:schemeClr>
-          </a:lnRef>
-          <a:fillRef idx="1">
-            <a:schemeClr val="accent1"/>
-          </a:fillRef>
-          <a:effectRef idx="0">
-            <a:schemeClr val="accent1"/>
-          </a:effectRef>
-          <a:fontRef idx="minor">
-            <a:schemeClr val="lt1"/>
-          </a:fontRef>
-        </p:style>
-        <p:txBody>
-          <a:bodyPr rtlCol="0" anchor="ctr"/>
-          <a:lstStyle/>
-          <a:p>
-            <a:pPr algn="ctr"/>
-            <a:endParaRPr lang="en-US"/>
-          </a:p>
-        </p:txBody>
-      </p:sp>
-      <p:sp>
-        <p:nvSpPr>
-          <p:cNvPr id="2" name="Title 1">
-            <a:extLst>
-              <a:ext uri="{FF2B5EF4-FFF2-40B4-BE49-F238E27FC236}">
-                <a16:creationId xmlns:a16="http://schemas.microsoft.com/office/drawing/2014/main" id="{EE00B7FB-AA74-37C8-09A0-3E8701BF0E18}"/>
-              </a:ext>
-            </a:extLst>
-          </p:cNvPr>
-          <p:cNvSpPr>
-            <a:spLocks noGrp="1"/>
-          </p:cNvSpPr>
-          <p:nvPr>
-            <p:ph type="title"/>
-          </p:nvPr>
-        </p:nvSpPr>
-        <p:spPr>
-          <a:xfrm>
-            <a:off x="841248" y="251312"/>
-            <a:ext cx="10506456" cy="1010264"/>
-          </a:xfrm>
-        </p:spPr>
-        <p:txBody>
-          <a:bodyPr anchor="ctr">
-            <a:normAutofit/>
-          </a:bodyPr>
-          <a:lstStyle/>
-          <a:p>
-            <a:r>
-              <a:rPr lang="en-US">
-                <a:cs typeface="Calibri Light"/>
-              </a:rPr>
-              <a:t>K6 with Postman</a:t>
-            </a:r>
-          </a:p>
-        </p:txBody>
-      </p:sp>
-      <p:sp>
-        <p:nvSpPr>
-          <p:cNvPr id="18" name="Rectangle 17">
-            <a:extLst>
-              <a:ext uri="{FF2B5EF4-FFF2-40B4-BE49-F238E27FC236}">
-                <a16:creationId xmlns:a16="http://schemas.microsoft.com/office/drawing/2014/main" id="{801E4ADA-0EA9-4930-846E-3C11E8BED6DD}"/>
-              </a:ext>
-              <a:ext uri="{C183D7F6-B498-43B3-948B-1728B52AA6E4}">
-                <adec:decorative xmlns:adec="http://schemas.microsoft.com/office/drawing/2017/decorative" val="1"/>
-              </a:ext>
-            </a:extLst>
-          </p:cNvPr>
-          <p:cNvSpPr>
-            <a:spLocks noGrp="1" noRot="1" noChangeAspect="1" noMove="1" noResize="1" noEditPoints="1" noAdjustHandles="1" noChangeArrowheads="1" noChangeShapeType="1" noTextEdit="1"/>
-          </p:cNvSpPr>
-          <p:nvPr>
-            <p:extLst>
-              <p:ext uri="{386F3935-93C4-4BCD-93E2-E3B085C9AB24}">
-                <p16:designElem xmlns:p16="http://schemas.microsoft.com/office/powerpoint/2015/main" val="1"/>
-              </p:ext>
-            </p:extLst>
-          </p:nvPr>
-        </p:nvSpPr>
-        <p:spPr>
-          <a:xfrm>
-            <a:off x="0" y="417618"/>
-            <a:ext cx="128016" cy="631415"/>
-          </a:xfrm>
-          <a:prstGeom prst="rect">
-            <a:avLst/>
-          </a:prstGeom>
-          <a:solidFill>
-            <a:schemeClr val="accent2"/>
-          </a:solidFill>
-          <a:ln>
-            <a:noFill/>
-          </a:ln>
-        </p:spPr>
-        <p:style>
-          <a:lnRef idx="2">
-            <a:schemeClr val="accent1">
-              <a:shade val="50000"/>
-            </a:schemeClr>
-          </a:lnRef>
-          <a:fillRef idx="1">
-            <a:schemeClr val="accent1"/>
-          </a:fillRef>
-          <a:effectRef idx="0">
-            <a:schemeClr val="accent1"/>
-          </a:effectRef>
-          <a:fontRef idx="minor">
-            <a:schemeClr val="lt1"/>
-          </a:fontRef>
-        </p:style>
-        <p:txBody>
-          <a:bodyPr rtlCol="0" anchor="ctr"/>
-          <a:lstStyle/>
-          <a:p>
-            <a:pPr marL="0" marR="0" lvl="0" indent="0" algn="ctr" defTabSz="914400" rtl="0" eaLnBrk="1" fontAlgn="auto" latinLnBrk="0" hangingPunct="1">
-              <a:lnSpc>
-                <a:spcPct val="100000"/>
-              </a:lnSpc>
-              <a:spcBef>
-                <a:spcPts val="0"/>
-              </a:spcBef>
-              <a:spcAft>
-                <a:spcPts val="0"/>
-              </a:spcAft>
-              <a:buClrTx/>
-              <a:buSzTx/>
-              <a:buFontTx/>
-              <a:buNone/>
-              <a:tabLst/>
-              <a:defRPr/>
-            </a:pPr>
-            <a:endParaRPr kumimoji="0" lang="en-US" sz="1800" b="0" i="0" u="none" strike="noStrike" kern="1200" cap="none" spc="0" normalizeH="0" baseline="0" noProof="0">
-              <a:ln>
-                <a:noFill/>
-              </a:ln>
-              <a:solidFill>
-                <a:prstClr val="white"/>
-              </a:solidFill>
-              <a:effectLst/>
-              <a:uLnTx/>
-              <a:uFillTx/>
-              <a:latin typeface="Calibri" panose="020F0502020204030204"/>
-              <a:ea typeface="+mn-ea"/>
-              <a:cs typeface="+mn-cs"/>
-            </a:endParaRPr>
-          </a:p>
-        </p:txBody>
-      </p:sp>
-      <p:sp>
-        <p:nvSpPr>
-          <p:cNvPr id="20" name="Rectangle 19">
-            <a:extLst>
-              <a:ext uri="{FF2B5EF4-FFF2-40B4-BE49-F238E27FC236}">
-                <a16:creationId xmlns:a16="http://schemas.microsoft.com/office/drawing/2014/main" id="{FB92FFCE-0C90-454E-AA25-D4EE9A6C39C5}"/>
-              </a:ext>
-              <a:ext uri="{C183D7F6-B498-43B3-948B-1728B52AA6E4}">
-                <adec:decorative xmlns:adec="http://schemas.microsoft.com/office/drawing/2017/decorative" val="1"/>
-              </a:ext>
-            </a:extLst>
-          </p:cNvPr>
-          <p:cNvSpPr>
-            <a:spLocks noGrp="1" noRot="1" noChangeAspect="1" noMove="1" noResize="1" noEditPoints="1" noAdjustHandles="1" noChangeArrowheads="1" noChangeShapeType="1" noTextEdit="1"/>
-          </p:cNvSpPr>
-          <p:nvPr>
-            <p:extLst>
-              <p:ext uri="{386F3935-93C4-4BCD-93E2-E3B085C9AB24}">
-                <p16:designElem xmlns:p16="http://schemas.microsoft.com/office/powerpoint/2015/main" val="1"/>
-              </p:ext>
-            </p:extLst>
-          </p:nvPr>
-        </p:nvSpPr>
-        <p:spPr>
-          <a:xfrm>
-            <a:off x="841248" y="1380864"/>
-            <a:ext cx="10506456" cy="18288"/>
-          </a:xfrm>
-          <a:prstGeom prst="rect">
-            <a:avLst/>
-          </a:prstGeom>
-          <a:solidFill>
-            <a:srgbClr val="D5D5D5"/>
-          </a:solidFill>
-          <a:ln w="3175">
-            <a:noFill/>
-          </a:ln>
-          <a:effectLst/>
-        </p:spPr>
-        <p:style>
-          <a:lnRef idx="2">
-            <a:schemeClr val="accent1">
-              <a:shade val="50000"/>
-            </a:schemeClr>
-          </a:lnRef>
-          <a:fillRef idx="1">
-            <a:schemeClr val="accent1"/>
-          </a:fillRef>
-          <a:effectRef idx="0">
-            <a:schemeClr val="accent1"/>
-          </a:effectRef>
-          <a:fontRef idx="minor">
-            <a:schemeClr val="lt1"/>
-          </a:fontRef>
-        </p:style>
-        <p:txBody>
-          <a:bodyPr rtlCol="0" anchor="ctr"/>
-          <a:lstStyle/>
-          <a:p>
-            <a:pPr algn="ctr"/>
-            <a:endParaRPr lang="en-US">
-              <a:solidFill>
-                <a:prstClr val="white"/>
-              </a:solidFill>
-              <a:latin typeface="Calibri" panose="020F0502020204030204"/>
-            </a:endParaRPr>
-          </a:p>
-        </p:txBody>
-      </p:sp>
-      <p:graphicFrame>
-        <p:nvGraphicFramePr>
-          <p:cNvPr id="12" name="Content Placeholder 2">
-            <a:extLst>
-              <a:ext uri="{FF2B5EF4-FFF2-40B4-BE49-F238E27FC236}">
-                <a16:creationId xmlns:a16="http://schemas.microsoft.com/office/drawing/2014/main" id="{EA08EE4D-A6D9-CE19-0605-82787AB495B6}"/>
-              </a:ext>
-            </a:extLst>
-          </p:cNvPr>
-          <p:cNvGraphicFramePr>
-            <a:graphicFrameLocks noGrp="1"/>
-          </p:cNvGraphicFramePr>
-          <p:nvPr>
-            <p:ph idx="1"/>
-            <p:extLst>
-              <p:ext uri="{D42A27DB-BD31-4B8C-83A1-F6EECF244321}">
-                <p14:modId xmlns:p14="http://schemas.microsoft.com/office/powerpoint/2010/main" val="3887246665"/>
-              </p:ext>
-            </p:extLst>
-          </p:nvPr>
-        </p:nvGraphicFramePr>
-        <p:xfrm>
-          <a:off x="838200" y="1650222"/>
-          <a:ext cx="10506456" cy="4584946"/>
-        </p:xfrm>
-        <a:graphic>
-          <a:graphicData uri="http://schemas.openxmlformats.org/drawingml/2006/diagram">
-            <dgm:relIds xmlns:dgm="http://schemas.openxmlformats.org/drawingml/2006/diagram" xmlns:r="http://schemas.openxmlformats.org/officeDocument/2006/relationships" r:dm="rId2" r:lo="rId3" r:qs="rId4" r:cs="rId5"/>
-          </a:graphicData>
-        </a:graphic>
-      </p:graphicFrame>
-    </p:spTree>
-    <p:extLst>
-      <p:ext uri="{BB962C8B-B14F-4D97-AF65-F5344CB8AC3E}">
-        <p14:creationId xmlns:p14="http://schemas.microsoft.com/office/powerpoint/2010/main" val="3727838486"/>
-      </p:ext>
-    </p:extLst>
-  </p:cSld>
-  <p:clrMapOvr>
-    <a:masterClrMapping/>
-  </p:clrMapOvr>
-</p:sld>
-</file>
-
-<file path=ppt/slides/slide5.xml><?xml version="1.0" encoding="utf-8"?>
-<p:sld xmlns:a="http://schemas.openxmlformats.org/drawingml/2006/main" xmlns:r="http://schemas.openxmlformats.org/officeDocument/2006/relationships" xmlns:p="http://schemas.openxmlformats.org/presentationml/2006/main">
-  <p:cSld>
-    <p:spTree>
-      <p:nvGrpSpPr>
-        <p:cNvPr id="1" name=""/>
-        <p:cNvGrpSpPr/>
-        <p:nvPr/>
-      </p:nvGrpSpPr>
-      <p:grpSpPr>
-        <a:xfrm>
-          <a:off x="0" y="0"/>
-          <a:ext cx="0" cy="0"/>
-          <a:chOff x="0" y="0"/>
-          <a:chExt cx="0" cy="0"/>
-        </a:xfrm>
-      </p:grpSpPr>
-      <p:sp>
-        <p:nvSpPr>
-          <p:cNvPr id="2" name="Title 1">
-            <a:extLst>
-              <a:ext uri="{FF2B5EF4-FFF2-40B4-BE49-F238E27FC236}">
-                <a16:creationId xmlns:a16="http://schemas.microsoft.com/office/drawing/2014/main" id="{68B025E4-4660-F85D-C12F-F5B62347C607}"/>
-              </a:ext>
-            </a:extLst>
-          </p:cNvPr>
-          <p:cNvSpPr>
-            <a:spLocks noGrp="1"/>
-          </p:cNvSpPr>
-          <p:nvPr>
-            <p:ph type="title"/>
-          </p:nvPr>
-        </p:nvSpPr>
-        <p:spPr>
-          <a:xfrm>
-            <a:off x="435634" y="135088"/>
-            <a:ext cx="10918166" cy="2547636"/>
-          </a:xfrm>
-        </p:spPr>
-        <p:txBody>
-          <a:bodyPr>
-            <a:normAutofit/>
-          </a:bodyPr>
-          <a:lstStyle/>
-          <a:p>
-            <a:r>
-              <a:rPr lang="en-US" dirty="0">
-                <a:solidFill>
-                  <a:schemeClr val="tx2"/>
-                </a:solidFill>
-                <a:cs typeface="Calibri Light"/>
-              </a:rPr>
-              <a:t>Why K6 with Postman ?</a:t>
-            </a:r>
-            <a:br>
-              <a:rPr lang="en-US" dirty="0">
-                <a:cs typeface="Calibri Light"/>
-              </a:rPr>
-            </a:br>
-            <a:r>
-              <a:rPr lang="en-US" sz="2400" dirty="0">
-                <a:latin typeface="Calibri"/>
-                <a:cs typeface="Calibri"/>
-              </a:rPr>
-              <a:t>This will help tester to test performance/load/stress testing of APIs in the beginning of the development. It is kind of approach for shift left and helps to identify performance issues in early phase. We can easily convert postman collection to K6 script.</a:t>
-            </a:r>
-          </a:p>
-        </p:txBody>
-      </p:sp>
-      <p:sp>
-        <p:nvSpPr>
-          <p:cNvPr id="3" name="Content Placeholder 2">
-            <a:extLst>
-              <a:ext uri="{FF2B5EF4-FFF2-40B4-BE49-F238E27FC236}">
-                <a16:creationId xmlns:a16="http://schemas.microsoft.com/office/drawing/2014/main" id="{C65CF5A7-714F-224A-F722-F00581CD3C2B}"/>
-              </a:ext>
-            </a:extLst>
-          </p:cNvPr>
-          <p:cNvSpPr>
-            <a:spLocks noGrp="1"/>
-          </p:cNvSpPr>
-          <p:nvPr>
-            <p:ph idx="1"/>
-          </p:nvPr>
-        </p:nvSpPr>
-        <p:spPr>
-          <a:xfrm>
-            <a:off x="349370" y="2357589"/>
-            <a:ext cx="11579524" cy="4106922"/>
-          </a:xfrm>
-        </p:spPr>
-        <p:txBody>
-          <a:bodyPr vert="horz" lIns="91440" tIns="45720" rIns="91440" bIns="45720" rtlCol="0" anchor="t">
-            <a:noAutofit/>
-          </a:bodyPr>
-          <a:lstStyle/>
-          <a:p>
-            <a:pPr marL="0" indent="0">
-              <a:buNone/>
-            </a:pPr>
-            <a:r>
-              <a:rPr lang="en-US" dirty="0">
-                <a:cs typeface="Calibri" panose="020F0502020204030204"/>
-              </a:rPr>
-              <a:t>Prerequisite</a:t>
-            </a:r>
-          </a:p>
-          <a:p>
-            <a:r>
-              <a:rPr lang="en-US" dirty="0">
-                <a:cs typeface="Calibri" panose="020F0502020204030204"/>
-              </a:rPr>
-              <a:t>Node.js </a:t>
-            </a:r>
-            <a:r>
-              <a:rPr lang="en-US" dirty="0">
-                <a:solidFill>
-                  <a:srgbClr val="13C4A5"/>
-                </a:solidFill>
-                <a:ea typeface="+mn-lt"/>
-                <a:cs typeface="+mn-lt"/>
-                <a:hlinkClick r:id="rId2"/>
-              </a:rPr>
-              <a:t>https://nodejs.org/en</a:t>
-            </a:r>
-            <a:endParaRPr lang="en-US">
-              <a:solidFill>
-                <a:srgbClr val="13C4A5"/>
-              </a:solidFill>
-              <a:ea typeface="+mn-lt"/>
-              <a:cs typeface="+mn-lt"/>
-            </a:endParaRPr>
-          </a:p>
-          <a:p>
-            <a:r>
-              <a:rPr lang="en-US" dirty="0">
-                <a:cs typeface="Calibri" panose="020F0502020204030204"/>
-              </a:rPr>
-              <a:t>K6 </a:t>
-            </a:r>
-            <a:r>
-              <a:rPr lang="en-US" dirty="0">
-                <a:solidFill>
-                  <a:srgbClr val="13C4A5"/>
-                </a:solidFill>
-                <a:ea typeface="+mn-lt"/>
-                <a:cs typeface="+mn-lt"/>
-                <a:hlinkClick r:id="rId3"/>
-              </a:rPr>
-              <a:t>https://k6.io/open-source/</a:t>
-            </a:r>
-            <a:endParaRPr lang="en-US" dirty="0">
-              <a:cs typeface="Calibri" panose="020F0502020204030204"/>
-            </a:endParaRPr>
-          </a:p>
-          <a:p>
-            <a:r>
-              <a:rPr lang="en-US" dirty="0">
-                <a:cs typeface="Calibri" panose="020F0502020204030204"/>
-              </a:rPr>
-              <a:t>Newman    </a:t>
-            </a:r>
-            <a:r>
-              <a:rPr lang="en-US" dirty="0">
-                <a:ea typeface="+mn-lt"/>
-                <a:cs typeface="+mn-lt"/>
-              </a:rPr>
-              <a:t> </a:t>
-            </a:r>
-            <a:r>
-              <a:rPr lang="en-US" dirty="0">
-                <a:solidFill>
-                  <a:srgbClr val="13C4A5"/>
-                </a:solidFill>
-                <a:ea typeface="+mn-lt"/>
-                <a:cs typeface="+mn-lt"/>
-                <a:hlinkClick r:id="rId4"/>
-              </a:rPr>
-              <a:t>https://www.npmjs.com/package/newman</a:t>
-            </a:r>
-            <a:endParaRPr lang="en-US" dirty="0">
-              <a:cs typeface="Calibri" panose="020F0502020204030204"/>
-            </a:endParaRPr>
-          </a:p>
-          <a:p>
-            <a:r>
-              <a:rPr lang="en-US" dirty="0">
-                <a:cs typeface="Calibri" panose="020F0502020204030204"/>
-              </a:rPr>
-              <a:t>VS Code </a:t>
-            </a:r>
-            <a:r>
-              <a:rPr lang="en-US" dirty="0">
-                <a:solidFill>
-                  <a:srgbClr val="13C4A5"/>
-                </a:solidFill>
-                <a:ea typeface="+mn-lt"/>
-                <a:cs typeface="+mn-lt"/>
-                <a:hlinkClick r:id="rId5"/>
-              </a:rPr>
-              <a:t>https://code.visualstudio.com/download</a:t>
-            </a:r>
-            <a:endParaRPr lang="en-US" dirty="0">
-              <a:ea typeface="+mn-lt"/>
-              <a:cs typeface="+mn-lt"/>
-            </a:endParaRPr>
-          </a:p>
-          <a:p>
-            <a:r>
-              <a:rPr lang="en-US" dirty="0">
-                <a:cs typeface="Calibri" panose="020F0502020204030204"/>
-              </a:rPr>
-              <a:t>Postman </a:t>
-            </a:r>
-            <a:r>
-              <a:rPr lang="en-US" dirty="0">
-                <a:solidFill>
-                  <a:srgbClr val="13C4A5"/>
-                </a:solidFill>
-                <a:ea typeface="+mn-lt"/>
-                <a:cs typeface="+mn-lt"/>
-                <a:hlinkClick r:id="rId6"/>
-              </a:rPr>
-              <a:t>https://www.postman.com/downloads/</a:t>
-            </a:r>
-            <a:r>
-              <a:rPr lang="en-US" dirty="0">
-                <a:ea typeface="+mn-lt"/>
-                <a:cs typeface="+mn-lt"/>
-              </a:rPr>
-              <a:t>(</a:t>
-            </a:r>
-            <a:r>
-              <a:rPr lang="en-US" err="1">
-                <a:ea typeface="+mn-lt"/>
-                <a:cs typeface="+mn-lt"/>
-              </a:rPr>
-              <a:t>Postbot</a:t>
-            </a:r>
-            <a:r>
-              <a:rPr lang="en-US" dirty="0">
-                <a:ea typeface="+mn-lt"/>
-                <a:cs typeface="+mn-lt"/>
-              </a:rPr>
-              <a:t> AI &amp; </a:t>
-            </a:r>
-            <a:r>
-              <a:rPr lang="en-US" err="1">
-                <a:ea typeface="+mn-lt"/>
-                <a:cs typeface="+mn-lt"/>
-              </a:rPr>
-              <a:t>NewMan</a:t>
-            </a:r>
-            <a:r>
-              <a:rPr lang="en-US" dirty="0">
-                <a:ea typeface="+mn-lt"/>
-                <a:cs typeface="+mn-lt"/>
-              </a:rPr>
-              <a:t>)</a:t>
-            </a:r>
-          </a:p>
-          <a:p>
-            <a:r>
-              <a:rPr lang="en-US" dirty="0">
-                <a:cs typeface="Calibri" panose="020F0502020204030204"/>
-              </a:rPr>
-              <a:t>Postman-to-k6 </a:t>
-            </a:r>
-            <a:r>
-              <a:rPr lang="en-US" dirty="0">
-                <a:solidFill>
-                  <a:srgbClr val="13C4A5"/>
-                </a:solidFill>
-                <a:ea typeface="+mn-lt"/>
-                <a:cs typeface="+mn-lt"/>
-                <a:hlinkClick r:id="rId7"/>
-              </a:rPr>
-              <a:t>https://www.npmjs.com/package/@apideck/postman-to-k6</a:t>
-            </a:r>
-            <a:endParaRPr lang="en-US">
-              <a:solidFill>
-                <a:srgbClr val="13C4A5"/>
-              </a:solidFill>
-              <a:cs typeface="Calibri" panose="020F0502020204030204"/>
-            </a:endParaRPr>
-          </a:p>
-          <a:p>
-            <a:r>
-              <a:rPr lang="en-US" dirty="0">
-                <a:cs typeface="Calibri" panose="020F0502020204030204"/>
-              </a:rPr>
-              <a:t>GitHub Actions</a:t>
-            </a:r>
-          </a:p>
-          <a:p>
-            <a:endParaRPr lang="en-US" sz="1200" dirty="0">
-              <a:solidFill>
-                <a:srgbClr val="13C4A5"/>
-              </a:solidFill>
-              <a:cs typeface="Calibri" panose="020F0502020204030204"/>
-            </a:endParaRPr>
-          </a:p>
-          <a:p>
-            <a:endParaRPr lang="en-US" sz="2400" dirty="0">
-              <a:cs typeface="Calibri" panose="020F0502020204030204"/>
-            </a:endParaRPr>
-          </a:p>
-          <a:p>
-            <a:endParaRPr lang="en-US" sz="2400" dirty="0">
-              <a:cs typeface="Calibri" panose="020F0502020204030204"/>
-            </a:endParaRPr>
-          </a:p>
-        </p:txBody>
-      </p:sp>
-    </p:spTree>
-    <p:extLst>
-      <p:ext uri="{BB962C8B-B14F-4D97-AF65-F5344CB8AC3E}">
-        <p14:creationId xmlns:p14="http://schemas.microsoft.com/office/powerpoint/2010/main" val="1408758638"/>
-      </p:ext>
-    </p:extLst>
-  </p:cSld>
-  <p:clrMapOvr>
-    <a:masterClrMapping/>
-  </p:clrMapOvr>
-</p:sld>
-</file>
-
-<file path=ppt/slides/slide6.xml><?xml version="1.0" encoding="utf-8"?>
-<p:sld xmlns:a="http://schemas.openxmlformats.org/drawingml/2006/main" xmlns:r="http://schemas.openxmlformats.org/officeDocument/2006/relationships" xmlns:p="http://schemas.openxmlformats.org/presentationml/2006/main">
-  <p:cSld>
-    <p:spTree>
-      <p:nvGrpSpPr>
-        <p:cNvPr id="1" name=""/>
-        <p:cNvGrpSpPr/>
-        <p:nvPr/>
-      </p:nvGrpSpPr>
-      <p:grpSpPr>
-        <a:xfrm>
-          <a:off x="0" y="0"/>
-          <a:ext cx="0" cy="0"/>
-          <a:chOff x="0" y="0"/>
-          <a:chExt cx="0" cy="0"/>
-        </a:xfrm>
-      </p:grpSpPr>
-      <p:sp>
-        <p:nvSpPr>
-          <p:cNvPr id="2" name="Title 1">
-            <a:extLst>
-              <a:ext uri="{FF2B5EF4-FFF2-40B4-BE49-F238E27FC236}">
-                <a16:creationId xmlns:a16="http://schemas.microsoft.com/office/drawing/2014/main" id="{B37B98DA-C86F-5D18-ABC6-EE5C0A272DD7}"/>
-              </a:ext>
-            </a:extLst>
-          </p:cNvPr>
-          <p:cNvSpPr>
-            <a:spLocks noGrp="1"/>
-          </p:cNvSpPr>
-          <p:nvPr>
-            <p:ph type="title"/>
-          </p:nvPr>
-        </p:nvSpPr>
-        <p:spPr>
-          <a:xfrm>
-            <a:off x="751936" y="206975"/>
-            <a:ext cx="10515600" cy="937374"/>
-          </a:xfrm>
-        </p:spPr>
-        <p:txBody>
-          <a:bodyPr/>
-          <a:lstStyle/>
-          <a:p>
-            <a:r>
-              <a:rPr lang="en-US" dirty="0">
-                <a:ea typeface="Calibri Light"/>
-                <a:cs typeface="Calibri Light"/>
-              </a:rPr>
-              <a:t>Detailed Steps- 1</a:t>
-            </a:r>
-            <a:endParaRPr lang="en-US" dirty="0"/>
-          </a:p>
-        </p:txBody>
-      </p:sp>
-      <p:sp>
-        <p:nvSpPr>
-          <p:cNvPr id="3" name="Content Placeholder 2">
-            <a:extLst>
-              <a:ext uri="{FF2B5EF4-FFF2-40B4-BE49-F238E27FC236}">
-                <a16:creationId xmlns:a16="http://schemas.microsoft.com/office/drawing/2014/main" id="{9944E1F9-8A3A-AC3B-85A8-DD31507155F0}"/>
-              </a:ext>
-            </a:extLst>
-          </p:cNvPr>
-          <p:cNvSpPr>
-            <a:spLocks noGrp="1"/>
-          </p:cNvSpPr>
-          <p:nvPr>
-            <p:ph idx="1"/>
-          </p:nvPr>
-        </p:nvSpPr>
-        <p:spPr>
-          <a:xfrm>
-            <a:off x="363748" y="1236154"/>
-            <a:ext cx="10990052" cy="4940809"/>
-          </a:xfrm>
-        </p:spPr>
-        <p:txBody>
-          <a:bodyPr vert="horz" lIns="91440" tIns="45720" rIns="91440" bIns="45720" rtlCol="0" anchor="t">
-            <a:normAutofit lnSpcReduction="10000"/>
-          </a:bodyPr>
-          <a:lstStyle/>
-          <a:p>
-            <a:pPr marL="514350" indent="-514350">
-              <a:buAutoNum type="arabicPeriod"/>
-            </a:pPr>
-            <a:r>
-              <a:rPr lang="en-US" dirty="0">
-                <a:ea typeface="Calibri"/>
-                <a:cs typeface="Calibri"/>
-              </a:rPr>
-              <a:t>Install prerequisites to complete the setup.</a:t>
-            </a:r>
-          </a:p>
-          <a:p>
-            <a:pPr marL="514350" indent="-514350">
-              <a:buAutoNum type="arabicPeriod"/>
-            </a:pPr>
-            <a:r>
-              <a:rPr lang="en-US" dirty="0">
-                <a:ea typeface="Calibri"/>
-                <a:cs typeface="Calibri"/>
-              </a:rPr>
-              <a:t>Create a collection , add requests and send requests.</a:t>
-            </a:r>
-          </a:p>
-          <a:p>
-            <a:pPr marL="514350" indent="-514350">
-              <a:buAutoNum type="arabicPeriod"/>
-            </a:pPr>
-            <a:r>
-              <a:rPr lang="en-US" dirty="0">
-                <a:ea typeface="Calibri"/>
-                <a:cs typeface="Calibri"/>
-              </a:rPr>
-              <a:t>Go to Test tab and click on </a:t>
-            </a:r>
-            <a:r>
-              <a:rPr lang="en-US" dirty="0" err="1">
-                <a:ea typeface="Calibri"/>
-                <a:cs typeface="Calibri"/>
-              </a:rPr>
-              <a:t>Postbot</a:t>
-            </a:r>
-            <a:r>
-              <a:rPr lang="en-US" dirty="0">
-                <a:ea typeface="Calibri"/>
-                <a:cs typeface="Calibri"/>
-              </a:rPr>
-              <a:t>, generate tests and save requests.</a:t>
-            </a:r>
-          </a:p>
-          <a:p>
-            <a:pPr marL="514350" indent="-514350">
-              <a:buAutoNum type="arabicPeriod"/>
-            </a:pPr>
-            <a:r>
-              <a:rPr lang="en-US" dirty="0">
-                <a:ea typeface="Calibri"/>
-                <a:cs typeface="Calibri"/>
-              </a:rPr>
-              <a:t>Create </a:t>
-            </a:r>
-            <a:r>
-              <a:rPr lang="en-US" dirty="0" err="1">
-                <a:ea typeface="Calibri"/>
-                <a:cs typeface="Calibri"/>
-              </a:rPr>
-              <a:t>npm</a:t>
-            </a:r>
-            <a:r>
-              <a:rPr lang="en-US" dirty="0">
-                <a:ea typeface="Calibri"/>
-                <a:cs typeface="Calibri"/>
-              </a:rPr>
-              <a:t> project using `</a:t>
-            </a:r>
-            <a:r>
-              <a:rPr lang="en-US" dirty="0" err="1">
-                <a:ea typeface="Calibri"/>
-                <a:cs typeface="Calibri"/>
-              </a:rPr>
-              <a:t>npm</a:t>
-            </a:r>
-            <a:r>
-              <a:rPr lang="en-US" dirty="0">
-                <a:ea typeface="Calibri"/>
-                <a:cs typeface="Calibri"/>
-              </a:rPr>
-              <a:t> </a:t>
-            </a:r>
-            <a:r>
-              <a:rPr lang="en-US" dirty="0" err="1">
-                <a:ea typeface="Calibri"/>
-                <a:cs typeface="Calibri"/>
-              </a:rPr>
-              <a:t>init</a:t>
-            </a:r>
-            <a:r>
-              <a:rPr lang="en-US" dirty="0">
-                <a:ea typeface="Calibri"/>
-                <a:cs typeface="Calibri"/>
-              </a:rPr>
-              <a:t> –y`</a:t>
-            </a:r>
-          </a:p>
-          <a:p>
-            <a:pPr marL="514350" indent="-514350">
-              <a:buAutoNum type="arabicPeriod"/>
-            </a:pPr>
-            <a:r>
-              <a:rPr lang="en-US" dirty="0">
-                <a:ea typeface="Calibri"/>
-                <a:cs typeface="Calibri"/>
-              </a:rPr>
-              <a:t>Add a folder as Collection and Environment, export from Postman and add in project.</a:t>
-            </a:r>
-          </a:p>
-          <a:p>
-            <a:pPr marL="514350" indent="-514350">
-              <a:buAutoNum type="arabicPeriod"/>
-            </a:pPr>
-            <a:r>
-              <a:rPr lang="en-US" dirty="0">
-                <a:ea typeface="Calibri"/>
-                <a:cs typeface="Calibri"/>
-              </a:rPr>
-              <a:t>In order to run collection from command line Install </a:t>
-            </a:r>
-            <a:r>
-              <a:rPr lang="en-US" dirty="0" err="1">
-                <a:ea typeface="Calibri"/>
-                <a:cs typeface="Calibri"/>
-              </a:rPr>
-              <a:t>newman</a:t>
-            </a:r>
-            <a:r>
-              <a:rPr lang="en-US" dirty="0">
-                <a:ea typeface="Calibri"/>
-                <a:cs typeface="Calibri"/>
-              </a:rPr>
-              <a:t>  `</a:t>
-            </a:r>
-            <a:r>
-              <a:rPr lang="en-US" dirty="0" err="1">
-                <a:ea typeface="Calibri"/>
-                <a:cs typeface="Calibri"/>
-              </a:rPr>
-              <a:t>npm</a:t>
-            </a:r>
-            <a:r>
-              <a:rPr lang="en-US" dirty="0">
-                <a:ea typeface="Calibri"/>
-                <a:cs typeface="Calibri"/>
-              </a:rPr>
-              <a:t> install </a:t>
-            </a:r>
-            <a:r>
-              <a:rPr lang="en-US" dirty="0" err="1">
-                <a:ea typeface="Calibri"/>
-                <a:cs typeface="Calibri"/>
-              </a:rPr>
-              <a:t>newman</a:t>
-            </a:r>
-            <a:r>
-              <a:rPr lang="en-US" dirty="0">
-                <a:ea typeface="Calibri"/>
-                <a:cs typeface="Calibri"/>
-              </a:rPr>
-              <a:t> –save –dev`.</a:t>
-            </a:r>
-          </a:p>
-          <a:p>
-            <a:pPr marL="514350" indent="-514350">
-              <a:buAutoNum type="arabicPeriod"/>
-            </a:pPr>
-            <a:r>
-              <a:rPr lang="en-US" dirty="0">
-                <a:ea typeface="Calibri"/>
-                <a:cs typeface="Calibri"/>
-              </a:rPr>
-              <a:t>In order to run the postman collections using K6, first we will need to convert postman collection files to k6 files using postman-to-k6 node package. `</a:t>
-            </a:r>
-            <a:r>
-              <a:rPr lang="en-US" dirty="0" err="1">
-                <a:ea typeface="Calibri"/>
-                <a:cs typeface="Calibri"/>
-              </a:rPr>
-              <a:t>npm</a:t>
-            </a:r>
-            <a:r>
-              <a:rPr lang="en-US" dirty="0">
-                <a:ea typeface="Calibri"/>
-                <a:cs typeface="Calibri"/>
-              </a:rPr>
-              <a:t> </a:t>
-            </a:r>
-            <a:r>
-              <a:rPr lang="en-US" dirty="0" err="1">
-                <a:ea typeface="Calibri"/>
-                <a:cs typeface="Calibri"/>
-              </a:rPr>
-              <a:t>i</a:t>
-            </a:r>
-            <a:r>
-              <a:rPr lang="en-US" dirty="0">
-                <a:ea typeface="Calibri"/>
-                <a:cs typeface="Calibri"/>
-              </a:rPr>
-              <a:t> @apideck/postman-to-k6`</a:t>
-            </a:r>
-          </a:p>
-          <a:p>
-            <a:pPr marL="514350" indent="-514350">
-              <a:buAutoNum type="arabicPeriod"/>
-            </a:pPr>
-            <a:endParaRPr lang="en-US" sz="1400" b="1" i="1" dirty="0">
-              <a:solidFill>
-                <a:srgbClr val="444444"/>
-              </a:solidFill>
-              <a:ea typeface="Calibri"/>
-              <a:cs typeface="Calibri"/>
-            </a:endParaRPr>
-          </a:p>
-          <a:p>
-            <a:pPr marL="514350" indent="-514350">
-              <a:buAutoNum type="arabicPeriod"/>
-            </a:pPr>
-            <a:endParaRPr lang="en-US" dirty="0">
-              <a:ea typeface="Calibri"/>
-              <a:cs typeface="Calibri"/>
-            </a:endParaRPr>
-          </a:p>
-          <a:p>
-            <a:pPr marL="514350" indent="-514350">
-              <a:buAutoNum type="arabicPeriod"/>
-            </a:pPr>
-            <a:endParaRPr lang="en-US" dirty="0">
-              <a:ea typeface="Calibri"/>
-              <a:cs typeface="Calibri"/>
-            </a:endParaRPr>
-          </a:p>
-          <a:p>
-            <a:pPr marL="514350" indent="-514350">
-              <a:buAutoNum type="arabicPeriod"/>
-            </a:pPr>
-            <a:endParaRPr lang="en-US" dirty="0">
-              <a:ea typeface="Calibri"/>
-              <a:cs typeface="Calibri"/>
-            </a:endParaRPr>
-          </a:p>
-          <a:p>
-            <a:pPr marL="514350" indent="-514350">
-              <a:buAutoNum type="arabicPeriod"/>
-            </a:pPr>
-            <a:endParaRPr lang="en-US" dirty="0">
-              <a:ea typeface="Calibri"/>
-              <a:cs typeface="Calibri"/>
-            </a:endParaRPr>
-          </a:p>
-          <a:p>
-            <a:pPr marL="514350" indent="-514350">
-              <a:buAutoNum type="arabicPeriod"/>
-            </a:pPr>
-            <a:endParaRPr lang="en-US" dirty="0">
-              <a:ea typeface="Calibri"/>
-              <a:cs typeface="Calibri"/>
-            </a:endParaRPr>
-          </a:p>
-        </p:txBody>
-      </p:sp>
-    </p:spTree>
-    <p:extLst>
-      <p:ext uri="{BB962C8B-B14F-4D97-AF65-F5344CB8AC3E}">
-        <p14:creationId xmlns:p14="http://schemas.microsoft.com/office/powerpoint/2010/main" val="2859915854"/>
-      </p:ext>
-    </p:extLst>
-  </p:cSld>
-  <p:clrMapOvr>
-    <a:masterClrMapping/>
-  </p:clrMapOvr>
-</p:sld>
-</file>
-
-<file path=ppt/slides/slide7.xml><?xml version="1.0" encoding="utf-8"?>
-<p:sld xmlns:a="http://schemas.openxmlformats.org/drawingml/2006/main" xmlns:r="http://schemas.openxmlformats.org/officeDocument/2006/relationships" xmlns:p="http://schemas.openxmlformats.org/presentationml/2006/main">
-  <p:cSld>
-    <p:spTree>
-      <p:nvGrpSpPr>
-        <p:cNvPr id="1" name=""/>
-        <p:cNvGrpSpPr/>
-        <p:nvPr/>
-      </p:nvGrpSpPr>
-      <p:grpSpPr>
-        <a:xfrm>
-          <a:off x="0" y="0"/>
-          <a:ext cx="0" cy="0"/>
-          <a:chOff x="0" y="0"/>
-          <a:chExt cx="0" cy="0"/>
-        </a:xfrm>
-      </p:grpSpPr>
-      <p:sp>
-        <p:nvSpPr>
-          <p:cNvPr id="2" name="Title 1">
-            <a:extLst>
-              <a:ext uri="{FF2B5EF4-FFF2-40B4-BE49-F238E27FC236}">
-                <a16:creationId xmlns:a16="http://schemas.microsoft.com/office/drawing/2014/main" id="{5CC0F6EA-8C56-5803-520E-AC95F112D7FA}"/>
-              </a:ext>
-            </a:extLst>
-          </p:cNvPr>
-          <p:cNvSpPr>
-            <a:spLocks noGrp="1"/>
-          </p:cNvSpPr>
-          <p:nvPr>
-            <p:ph type="title"/>
-          </p:nvPr>
-        </p:nvSpPr>
-        <p:spPr/>
-        <p:txBody>
-          <a:bodyPr/>
-          <a:lstStyle/>
-          <a:p>
-            <a:r>
-              <a:rPr lang="en-US" dirty="0">
-                <a:ea typeface="Calibri Light"/>
-                <a:cs typeface="Calibri Light"/>
-              </a:rPr>
-              <a:t>Detailed Steps- 2</a:t>
-            </a:r>
-          </a:p>
-        </p:txBody>
-      </p:sp>
-      <p:sp>
-        <p:nvSpPr>
-          <p:cNvPr id="3" name="Content Placeholder 2">
-            <a:extLst>
-              <a:ext uri="{FF2B5EF4-FFF2-40B4-BE49-F238E27FC236}">
-                <a16:creationId xmlns:a16="http://schemas.microsoft.com/office/drawing/2014/main" id="{117EAF68-8101-D775-B10B-3A8A2F73D466}"/>
-              </a:ext>
-            </a:extLst>
-          </p:cNvPr>
-          <p:cNvSpPr>
-            <a:spLocks noGrp="1"/>
-          </p:cNvSpPr>
-          <p:nvPr>
-            <p:ph idx="1"/>
-          </p:nvPr>
-        </p:nvSpPr>
-        <p:spPr/>
-        <p:txBody>
-          <a:bodyPr vert="horz" lIns="91440" tIns="45720" rIns="91440" bIns="45720" rtlCol="0" anchor="t">
-            <a:normAutofit/>
-          </a:bodyPr>
-          <a:lstStyle/>
-          <a:p>
-            <a:pPr marL="0" indent="0">
-              <a:buNone/>
-            </a:pPr>
-            <a:r>
-              <a:rPr lang="en-US" dirty="0">
-                <a:ea typeface="Calibri"/>
-                <a:cs typeface="Calibri"/>
-              </a:rPr>
-              <a:t>8. Commands to run postman </a:t>
-            </a:r>
-            <a:r>
-              <a:rPr lang="en-US">
-                <a:ea typeface="Calibri"/>
-                <a:cs typeface="Calibri"/>
-              </a:rPr>
-              <a:t>collections using Newman : </a:t>
-            </a:r>
-            <a:endParaRPr lang="en-US" dirty="0">
-              <a:ea typeface="Calibri"/>
-              <a:cs typeface="Calibri"/>
-            </a:endParaRPr>
-          </a:p>
-          <a:p>
-            <a:pPr>
-              <a:buNone/>
-            </a:pPr>
-            <a:r>
-              <a:rPr lang="en-US" sz="2000" dirty="0">
-                <a:solidFill>
-                  <a:srgbClr val="CCCCCC"/>
-                </a:solidFill>
-                <a:latin typeface="Consolas"/>
-                <a:ea typeface="Calibri"/>
-                <a:cs typeface="Calibri"/>
-              </a:rPr>
-              <a:t> </a:t>
-            </a:r>
-            <a:r>
-              <a:rPr lang="en-US" sz="2000" dirty="0">
-                <a:solidFill>
-                  <a:srgbClr val="CE9178"/>
-                </a:solidFill>
-                <a:latin typeface="Consolas"/>
-                <a:ea typeface="Calibri"/>
-                <a:cs typeface="Calibri"/>
-              </a:rPr>
-              <a:t>"</a:t>
-            </a:r>
-            <a:r>
-              <a:rPr lang="en-US" sz="2000" err="1">
-                <a:solidFill>
-                  <a:srgbClr val="CE9178"/>
-                </a:solidFill>
-                <a:latin typeface="Consolas"/>
-                <a:ea typeface="Calibri"/>
-                <a:cs typeface="Calibri"/>
-              </a:rPr>
-              <a:t>newman</a:t>
-            </a:r>
-            <a:r>
-              <a:rPr lang="en-US" sz="2000" dirty="0">
-                <a:solidFill>
-                  <a:srgbClr val="CE9178"/>
-                </a:solidFill>
-                <a:latin typeface="Consolas"/>
-                <a:ea typeface="Calibri"/>
-                <a:cs typeface="Calibri"/>
-              </a:rPr>
-              <a:t> run ./collections/</a:t>
-            </a:r>
-            <a:r>
-              <a:rPr lang="en-US" sz="2000" err="1">
-                <a:solidFill>
-                  <a:srgbClr val="CE9178"/>
-                </a:solidFill>
-                <a:latin typeface="Consolas"/>
-                <a:ea typeface="Calibri"/>
-                <a:cs typeface="Calibri"/>
-              </a:rPr>
-              <a:t>Playwright_API_Test.postman_collection.json</a:t>
-            </a:r>
-            <a:r>
-              <a:rPr lang="en-US" sz="2000" dirty="0">
-                <a:solidFill>
-                  <a:srgbClr val="CE9178"/>
-                </a:solidFill>
-                <a:latin typeface="Consolas"/>
-                <a:ea typeface="Calibri"/>
-                <a:cs typeface="Calibri"/>
-              </a:rPr>
-              <a:t> -e </a:t>
-            </a:r>
-            <a:r>
-              <a:rPr lang="en-US" sz="2000">
-                <a:solidFill>
-                  <a:srgbClr val="CE9178"/>
-                </a:solidFill>
-                <a:latin typeface="Consolas"/>
-                <a:ea typeface="Calibri"/>
-                <a:cs typeface="Calibri"/>
-              </a:rPr>
-              <a:t>./</a:t>
-            </a:r>
-            <a:r>
-              <a:rPr lang="en-US" sz="2000" err="1">
-                <a:solidFill>
-                  <a:srgbClr val="CE9178"/>
-                </a:solidFill>
-                <a:latin typeface="Consolas"/>
-                <a:ea typeface="Calibri"/>
-                <a:cs typeface="Calibri"/>
-              </a:rPr>
-              <a:t>enviornments</a:t>
-            </a:r>
-            <a:r>
-              <a:rPr lang="en-US" sz="2000">
-                <a:solidFill>
-                  <a:srgbClr val="CE9178"/>
-                </a:solidFill>
-                <a:latin typeface="Consolas"/>
-                <a:ea typeface="Calibri"/>
-                <a:cs typeface="Calibri"/>
-              </a:rPr>
-              <a:t>/</a:t>
-            </a:r>
-            <a:r>
-              <a:rPr lang="en-US" sz="2000" err="1">
-                <a:solidFill>
-                  <a:srgbClr val="CE9178"/>
-                </a:solidFill>
-                <a:latin typeface="Consolas"/>
-                <a:ea typeface="Calibri"/>
-                <a:cs typeface="Calibri"/>
-              </a:rPr>
-              <a:t>UAT.postman_environment.json</a:t>
-            </a:r>
-            <a:r>
-              <a:rPr lang="en-US" sz="2000">
-                <a:solidFill>
-                  <a:srgbClr val="CE9178"/>
-                </a:solidFill>
-                <a:latin typeface="Consolas"/>
-                <a:ea typeface="Calibri"/>
-                <a:cs typeface="Calibri"/>
-              </a:rPr>
-              <a:t>"</a:t>
-            </a:r>
-            <a:endParaRPr lang="en-US" sz="2000" dirty="0">
-              <a:solidFill>
-                <a:srgbClr val="CCCCCC"/>
-              </a:solidFill>
-              <a:latin typeface="Consolas"/>
-              <a:ea typeface="Calibri"/>
-              <a:cs typeface="Calibri"/>
-            </a:endParaRPr>
-          </a:p>
-          <a:p>
-            <a:pPr>
-              <a:buNone/>
-            </a:pPr>
-            <a:endParaRPr lang="en-US" sz="2000" dirty="0">
-              <a:solidFill>
-                <a:srgbClr val="CCCCCC"/>
-              </a:solidFill>
-              <a:latin typeface="Consolas"/>
-              <a:ea typeface="Calibri"/>
-              <a:cs typeface="Calibri"/>
-            </a:endParaRPr>
-          </a:p>
-          <a:p>
-            <a:pPr>
-              <a:buNone/>
-            </a:pPr>
-            <a:r>
-              <a:rPr lang="en-US">
-                <a:ea typeface="Calibri"/>
-                <a:cs typeface="Calibri"/>
-              </a:rPr>
-              <a:t>9. Commands to convert postman collections to K6 :</a:t>
-            </a:r>
-            <a:endParaRPr lang="en-US" dirty="0">
-              <a:ea typeface="Calibri"/>
-              <a:cs typeface="Calibri"/>
-            </a:endParaRPr>
-          </a:p>
-          <a:p>
-            <a:pPr>
-              <a:buNone/>
-            </a:pPr>
-            <a:r>
-              <a:rPr lang="en-US" sz="2000" dirty="0">
-                <a:solidFill>
-                  <a:srgbClr val="CE9178"/>
-                </a:solidFill>
-                <a:latin typeface="Consolas"/>
-                <a:ea typeface="Calibri"/>
-                <a:cs typeface="Calibri"/>
-              </a:rPr>
-              <a:t>"postman-to-k6 ./collections/</a:t>
-            </a:r>
-            <a:r>
-              <a:rPr lang="en-US" sz="2000" err="1">
-                <a:solidFill>
-                  <a:srgbClr val="CE9178"/>
-                </a:solidFill>
-                <a:latin typeface="Consolas"/>
-                <a:ea typeface="Calibri"/>
-                <a:cs typeface="Calibri"/>
-              </a:rPr>
-              <a:t>Performance_Testing.postman_collection.json</a:t>
-            </a:r>
-            <a:r>
-              <a:rPr lang="en-US" sz="2000" dirty="0">
-                <a:solidFill>
-                  <a:srgbClr val="CE9178"/>
-                </a:solidFill>
-                <a:latin typeface="Consolas"/>
-                <a:ea typeface="Calibri"/>
-                <a:cs typeface="Calibri"/>
-              </a:rPr>
-              <a:t> -e ./</a:t>
-            </a:r>
-            <a:r>
-              <a:rPr lang="en-US" sz="2000" err="1">
-                <a:solidFill>
-                  <a:srgbClr val="CE9178"/>
-                </a:solidFill>
-                <a:latin typeface="Consolas"/>
-                <a:ea typeface="Calibri"/>
-                <a:cs typeface="Calibri"/>
-              </a:rPr>
-              <a:t>enviornments</a:t>
-            </a:r>
-            <a:r>
-              <a:rPr lang="en-US" sz="2000" dirty="0">
-                <a:solidFill>
-                  <a:srgbClr val="CE9178"/>
-                </a:solidFill>
-                <a:latin typeface="Consolas"/>
-                <a:ea typeface="Calibri"/>
-                <a:cs typeface="Calibri"/>
-              </a:rPr>
-              <a:t>/</a:t>
-            </a:r>
-            <a:r>
-              <a:rPr lang="en-US" sz="2000" err="1">
-                <a:solidFill>
-                  <a:srgbClr val="CE9178"/>
-                </a:solidFill>
-                <a:latin typeface="Consolas"/>
-                <a:ea typeface="Calibri"/>
-                <a:cs typeface="Calibri"/>
-              </a:rPr>
-              <a:t>Performance_Env.postman_environment.json</a:t>
-            </a:r>
-            <a:r>
-              <a:rPr lang="en-US" sz="2000">
-                <a:solidFill>
-                  <a:srgbClr val="CE9178"/>
-                </a:solidFill>
-                <a:latin typeface="Consolas"/>
-                <a:ea typeface="Calibri"/>
-                <a:cs typeface="Calibri"/>
-              </a:rPr>
-              <a:t> -o k6-script.js"</a:t>
-            </a:r>
-            <a:endParaRPr lang="en-US" sz="2000">
-              <a:solidFill>
-                <a:srgbClr val="CCCCCC"/>
-              </a:solidFill>
-              <a:latin typeface="Consolas"/>
-              <a:ea typeface="Calibri"/>
-              <a:cs typeface="Calibri"/>
-            </a:endParaRPr>
-          </a:p>
-          <a:p>
-            <a:pPr>
-              <a:buNone/>
-            </a:pPr>
-            <a:r>
-              <a:rPr lang="en-US" dirty="0">
-                <a:ea typeface="Calibri"/>
-                <a:cs typeface="Calibri"/>
-              </a:rPr>
-              <a:t>10.Commands to execute K6 script :</a:t>
-            </a:r>
-          </a:p>
-          <a:p>
-            <a:pPr>
-              <a:buNone/>
-            </a:pPr>
-            <a:r>
-              <a:rPr lang="en-US" sz="2000" dirty="0">
-                <a:solidFill>
-                  <a:srgbClr val="CE9178"/>
-                </a:solidFill>
-                <a:latin typeface="Consolas"/>
-                <a:ea typeface="Calibri"/>
-                <a:cs typeface="Calibri"/>
-              </a:rPr>
-              <a:t>"k6 run k6-script.js --summary-trend-stats=</a:t>
-            </a:r>
-            <a:r>
-              <a:rPr lang="en-US" sz="2000" dirty="0">
-                <a:solidFill>
-                  <a:srgbClr val="D7BA7D"/>
-                </a:solidFill>
-                <a:latin typeface="Consolas"/>
-                <a:ea typeface="Calibri"/>
-                <a:cs typeface="Calibri"/>
-              </a:rPr>
-              <a:t>\"</a:t>
-            </a:r>
-            <a:r>
-              <a:rPr lang="en-US" sz="2000" err="1">
-                <a:solidFill>
-                  <a:srgbClr val="CE9178"/>
-                </a:solidFill>
-                <a:latin typeface="Consolas"/>
-                <a:ea typeface="Calibri"/>
-                <a:cs typeface="Calibri"/>
-              </a:rPr>
-              <a:t>avg,p</a:t>
-            </a:r>
-            <a:r>
-              <a:rPr lang="en-US" sz="2000" dirty="0">
-                <a:solidFill>
-                  <a:srgbClr val="CE9178"/>
-                </a:solidFill>
-                <a:latin typeface="Consolas"/>
-                <a:ea typeface="Calibri"/>
-                <a:cs typeface="Calibri"/>
-              </a:rPr>
-              <a:t>(90),p(99.9),p(99.99),count</a:t>
-            </a:r>
-            <a:r>
-              <a:rPr lang="en-US" sz="2000" dirty="0">
-                <a:solidFill>
-                  <a:srgbClr val="D7BA7D"/>
-                </a:solidFill>
-                <a:latin typeface="Consolas"/>
-                <a:ea typeface="Calibri"/>
-                <a:cs typeface="Calibri"/>
-              </a:rPr>
-              <a:t>\"</a:t>
-            </a:r>
-            <a:r>
-              <a:rPr lang="en-US" sz="2000" dirty="0">
-                <a:solidFill>
-                  <a:srgbClr val="CE9178"/>
-                </a:solidFill>
-                <a:latin typeface="Consolas"/>
-                <a:ea typeface="Calibri"/>
-                <a:cs typeface="Calibri"/>
-              </a:rPr>
-              <a:t> --out </a:t>
-            </a:r>
-            <a:r>
-              <a:rPr lang="en-US" sz="2000" err="1">
-                <a:solidFill>
-                  <a:srgbClr val="CE9178"/>
-                </a:solidFill>
-                <a:latin typeface="Consolas"/>
-                <a:ea typeface="Calibri"/>
-                <a:cs typeface="Calibri"/>
-              </a:rPr>
-              <a:t>json</a:t>
-            </a:r>
-            <a:r>
-              <a:rPr lang="en-US" sz="2000" dirty="0">
-                <a:solidFill>
-                  <a:srgbClr val="CE9178"/>
-                </a:solidFill>
-                <a:latin typeface="Consolas"/>
-                <a:ea typeface="Calibri"/>
-                <a:cs typeface="Calibri"/>
-              </a:rPr>
-              <a:t>=test.csv"</a:t>
-            </a:r>
-            <a:endParaRPr lang="en-US" sz="2000">
-              <a:ea typeface="Calibri"/>
-              <a:cs typeface="Calibri"/>
-            </a:endParaRPr>
-          </a:p>
-          <a:p>
-            <a:pPr>
-              <a:buNone/>
-            </a:pPr>
-            <a:endParaRPr lang="en-US" dirty="0">
-              <a:solidFill>
-                <a:srgbClr val="000000"/>
-              </a:solidFill>
-              <a:latin typeface="Calibri" panose="020F0502020204030204"/>
-              <a:ea typeface="Calibri"/>
-              <a:cs typeface="Calibri"/>
-            </a:endParaRPr>
-          </a:p>
-          <a:p>
-            <a:pPr>
-              <a:buNone/>
-            </a:pPr>
-            <a:endParaRPr lang="en-US" sz="1800" dirty="0">
-              <a:solidFill>
-                <a:srgbClr val="CE9178"/>
-              </a:solidFill>
-              <a:latin typeface="Consolas"/>
-              <a:ea typeface="Calibri"/>
-              <a:cs typeface="Calibri"/>
-            </a:endParaRPr>
-          </a:p>
-          <a:p>
-            <a:pPr>
-              <a:buNone/>
-            </a:pPr>
-            <a:endParaRPr lang="en-US" sz="1800" dirty="0">
-              <a:solidFill>
-                <a:srgbClr val="CCCCCC"/>
-              </a:solidFill>
-              <a:latin typeface="Consolas"/>
-              <a:ea typeface="Calibri"/>
-              <a:cs typeface="Calibri"/>
-            </a:endParaRPr>
-          </a:p>
-          <a:p>
-            <a:pPr marL="0" indent="0">
-              <a:buNone/>
-            </a:pPr>
-            <a:endParaRPr lang="en-US" dirty="0">
-              <a:ea typeface="Calibri"/>
-              <a:cs typeface="Calibri"/>
-            </a:endParaRPr>
-          </a:p>
-        </p:txBody>
-      </p:sp>
-    </p:spTree>
-    <p:extLst>
-      <p:ext uri="{BB962C8B-B14F-4D97-AF65-F5344CB8AC3E}">
-        <p14:creationId xmlns:p14="http://schemas.microsoft.com/office/powerpoint/2010/main" val="2841504294"/>
-      </p:ext>
-    </p:extLst>
-  </p:cSld>
-  <p:clrMapOvr>
-    <a:masterClrMapping/>
-  </p:clrMapOvr>
-</p:sld>
-</file>
-
-<file path=ppt/slides/slide8.xml><?xml version="1.0" encoding="utf-8"?>
+<file path=ppt/slides/slide10.xml><?xml version="1.0" encoding="utf-8"?>
 <p:sld xmlns:a="http://schemas.openxmlformats.org/drawingml/2006/main" xmlns:r="http://schemas.openxmlformats.org/officeDocument/2006/relationships" xmlns:p="http://schemas.openxmlformats.org/presentationml/2006/main">
   <p:cSld>
     <p:bg>
@@ -10297,6 +8412,2607 @@
 </p:sld>
 </file>
 
+<file path=ppt/slides/slide2.xml><?xml version="1.0" encoding="utf-8"?>
+<p:sld xmlns:a="http://schemas.openxmlformats.org/drawingml/2006/main" xmlns:r="http://schemas.openxmlformats.org/officeDocument/2006/relationships" xmlns:p="http://schemas.openxmlformats.org/presentationml/2006/main">
+  <p:cSld>
+    <p:bg>
+      <p:bgPr>
+        <a:solidFill>
+          <a:schemeClr val="bg1"/>
+        </a:solidFill>
+        <a:effectLst/>
+      </p:bgPr>
+    </p:bg>
+    <p:spTree>
+      <p:nvGrpSpPr>
+        <p:cNvPr id="1" name=""/>
+        <p:cNvGrpSpPr/>
+        <p:nvPr/>
+      </p:nvGrpSpPr>
+      <p:grpSpPr>
+        <a:xfrm>
+          <a:off x="0" y="0"/>
+          <a:ext cx="0" cy="0"/>
+          <a:chOff x="0" y="0"/>
+          <a:chExt cx="0" cy="0"/>
+        </a:xfrm>
+      </p:grpSpPr>
+      <p:sp>
+        <p:nvSpPr>
+          <p:cNvPr id="17" name="Rectangle 16">
+            <a:extLst>
+              <a:ext uri="{FF2B5EF4-FFF2-40B4-BE49-F238E27FC236}">
+                <a16:creationId xmlns:a16="http://schemas.microsoft.com/office/drawing/2014/main" id="{A4AC5506-6312-4701-8D3C-40187889A947}"/>
+              </a:ext>
+              <a:ext uri="{C183D7F6-B498-43B3-948B-1728B52AA6E4}">
+                <adec:decorative xmlns:adec="http://schemas.microsoft.com/office/drawing/2017/decorative" val="1"/>
+              </a:ext>
+            </a:extLst>
+          </p:cNvPr>
+          <p:cNvSpPr>
+            <a:spLocks noGrp="1" noRot="1" noChangeAspect="1" noMove="1" noResize="1" noEditPoints="1" noAdjustHandles="1" noChangeArrowheads="1" noChangeShapeType="1" noTextEdit="1"/>
+          </p:cNvSpPr>
+          <p:nvPr>
+            <p:extLst>
+              <p:ext uri="{386F3935-93C4-4BCD-93E2-E3B085C9AB24}">
+                <p16:designElem xmlns:p16="http://schemas.microsoft.com/office/powerpoint/2015/main" val="1"/>
+              </p:ext>
+            </p:extLst>
+          </p:nvPr>
+        </p:nvSpPr>
+        <p:spPr>
+          <a:xfrm>
+            <a:off x="0" y="651752"/>
+            <a:ext cx="12192000" cy="736551"/>
+          </a:xfrm>
+          <a:prstGeom prst="rect">
+            <a:avLst/>
+          </a:prstGeom>
+          <a:solidFill>
+            <a:schemeClr val="tx1"/>
+          </a:solidFill>
+          <a:ln>
+            <a:noFill/>
+          </a:ln>
+        </p:spPr>
+        <p:style>
+          <a:lnRef idx="2">
+            <a:schemeClr val="accent1">
+              <a:shade val="50000"/>
+            </a:schemeClr>
+          </a:lnRef>
+          <a:fillRef idx="1">
+            <a:schemeClr val="accent1"/>
+          </a:fillRef>
+          <a:effectRef idx="0">
+            <a:schemeClr val="accent1"/>
+          </a:effectRef>
+          <a:fontRef idx="minor">
+            <a:schemeClr val="lt1"/>
+          </a:fontRef>
+        </p:style>
+        <p:txBody>
+          <a:bodyPr rtlCol="0" anchor="ctr"/>
+          <a:lstStyle/>
+          <a:p>
+            <a:pPr algn="ctr"/>
+            <a:endParaRPr lang="en-US"/>
+          </a:p>
+        </p:txBody>
+      </p:sp>
+      <p:sp>
+        <p:nvSpPr>
+          <p:cNvPr id="2" name="Title 1">
+            <a:extLst>
+              <a:ext uri="{FF2B5EF4-FFF2-40B4-BE49-F238E27FC236}">
+                <a16:creationId xmlns:a16="http://schemas.microsoft.com/office/drawing/2014/main" id="{1080A7F8-6393-5AEB-3E9D-A175E65376F4}"/>
+              </a:ext>
+            </a:extLst>
+          </p:cNvPr>
+          <p:cNvSpPr>
+            <a:spLocks noGrp="1"/>
+          </p:cNvSpPr>
+          <p:nvPr>
+            <p:ph type="title"/>
+          </p:nvPr>
+        </p:nvSpPr>
+        <p:spPr>
+          <a:xfrm>
+            <a:off x="556532" y="643467"/>
+            <a:ext cx="11210925" cy="744836"/>
+          </a:xfrm>
+        </p:spPr>
+        <p:txBody>
+          <a:bodyPr vert="horz" lIns="91440" tIns="45720" rIns="91440" bIns="45720" rtlCol="0" anchor="ctr">
+            <a:normAutofit/>
+          </a:bodyPr>
+          <a:lstStyle/>
+          <a:p>
+            <a:pPr algn="ctr"/>
+            <a:r>
+              <a:rPr lang="en-US" sz="3200" kern="1200">
+                <a:solidFill>
+                  <a:schemeClr val="bg1"/>
+                </a:solidFill>
+                <a:latin typeface="+mj-lt"/>
+                <a:ea typeface="+mj-ea"/>
+                <a:cs typeface="+mj-cs"/>
+              </a:rPr>
+              <a:t>                 Postman Canary – Performance Testing using Postman</a:t>
+            </a:r>
+          </a:p>
+        </p:txBody>
+      </p:sp>
+      <p:pic>
+        <p:nvPicPr>
+          <p:cNvPr id="4" name="Content Placeholder 3">
+            <a:extLst>
+              <a:ext uri="{FF2B5EF4-FFF2-40B4-BE49-F238E27FC236}">
+                <a16:creationId xmlns:a16="http://schemas.microsoft.com/office/drawing/2014/main" id="{F299A85D-D993-12E3-5EE7-66A5113ACD2F}"/>
+              </a:ext>
+            </a:extLst>
+          </p:cNvPr>
+          <p:cNvPicPr>
+            <a:picLocks noGrp="1" noChangeAspect="1"/>
+          </p:cNvPicPr>
+          <p:nvPr>
+            <p:ph idx="1"/>
+          </p:nvPr>
+        </p:nvPicPr>
+        <p:blipFill>
+          <a:blip r:embed="rId2"/>
+          <a:stretch>
+            <a:fillRect/>
+          </a:stretch>
+        </p:blipFill>
+        <p:spPr>
+          <a:xfrm>
+            <a:off x="1634882" y="1675227"/>
+            <a:ext cx="8922235" cy="4394199"/>
+          </a:xfrm>
+          <a:prstGeom prst="rect">
+            <a:avLst/>
+          </a:prstGeom>
+        </p:spPr>
+      </p:pic>
+    </p:spTree>
+    <p:extLst>
+      <p:ext uri="{BB962C8B-B14F-4D97-AF65-F5344CB8AC3E}">
+        <p14:creationId xmlns:p14="http://schemas.microsoft.com/office/powerpoint/2010/main" val="3981751657"/>
+      </p:ext>
+    </p:extLst>
+  </p:cSld>
+  <p:clrMapOvr>
+    <a:masterClrMapping/>
+  </p:clrMapOvr>
+</p:sld>
+</file>
+
+<file path=ppt/slides/slide3.xml><?xml version="1.0" encoding="utf-8"?>
+<p:sld xmlns:a="http://schemas.openxmlformats.org/drawingml/2006/main" xmlns:r="http://schemas.openxmlformats.org/officeDocument/2006/relationships" xmlns:p="http://schemas.openxmlformats.org/presentationml/2006/main">
+  <p:cSld>
+    <p:bg>
+      <p:bgPr>
+        <a:solidFill>
+          <a:schemeClr val="bg1"/>
+        </a:solidFill>
+        <a:effectLst/>
+      </p:bgPr>
+    </p:bg>
+    <p:spTree>
+      <p:nvGrpSpPr>
+        <p:cNvPr id="1" name=""/>
+        <p:cNvGrpSpPr/>
+        <p:nvPr/>
+      </p:nvGrpSpPr>
+      <p:grpSpPr>
+        <a:xfrm>
+          <a:off x="0" y="0"/>
+          <a:ext cx="0" cy="0"/>
+          <a:chOff x="0" y="0"/>
+          <a:chExt cx="0" cy="0"/>
+        </a:xfrm>
+      </p:grpSpPr>
+      <p:sp>
+        <p:nvSpPr>
+          <p:cNvPr id="23" name="Rectangle 22">
+            <a:extLst>
+              <a:ext uri="{FF2B5EF4-FFF2-40B4-BE49-F238E27FC236}">
+                <a16:creationId xmlns:a16="http://schemas.microsoft.com/office/drawing/2014/main" id="{A4AC5506-6312-4701-8D3C-40187889A947}"/>
+              </a:ext>
+              <a:ext uri="{C183D7F6-B498-43B3-948B-1728B52AA6E4}">
+                <adec:decorative xmlns:adec="http://schemas.microsoft.com/office/drawing/2017/decorative" val="1"/>
+              </a:ext>
+            </a:extLst>
+          </p:cNvPr>
+          <p:cNvSpPr>
+            <a:spLocks noGrp="1" noRot="1" noChangeAspect="1" noMove="1" noResize="1" noEditPoints="1" noAdjustHandles="1" noChangeArrowheads="1" noChangeShapeType="1" noTextEdit="1"/>
+          </p:cNvSpPr>
+          <p:nvPr>
+            <p:extLst>
+              <p:ext uri="{386F3935-93C4-4BCD-93E2-E3B085C9AB24}">
+                <p16:designElem xmlns:p16="http://schemas.microsoft.com/office/powerpoint/2015/main" val="1"/>
+              </p:ext>
+            </p:extLst>
+          </p:nvPr>
+        </p:nvSpPr>
+        <p:spPr>
+          <a:xfrm>
+            <a:off x="0" y="651752"/>
+            <a:ext cx="12192000" cy="736551"/>
+          </a:xfrm>
+          <a:prstGeom prst="rect">
+            <a:avLst/>
+          </a:prstGeom>
+          <a:solidFill>
+            <a:schemeClr val="tx1"/>
+          </a:solidFill>
+          <a:ln>
+            <a:noFill/>
+          </a:ln>
+        </p:spPr>
+        <p:style>
+          <a:lnRef idx="2">
+            <a:schemeClr val="accent1">
+              <a:shade val="50000"/>
+            </a:schemeClr>
+          </a:lnRef>
+          <a:fillRef idx="1">
+            <a:schemeClr val="accent1"/>
+          </a:fillRef>
+          <a:effectRef idx="0">
+            <a:schemeClr val="accent1"/>
+          </a:effectRef>
+          <a:fontRef idx="minor">
+            <a:schemeClr val="lt1"/>
+          </a:fontRef>
+        </p:style>
+        <p:txBody>
+          <a:bodyPr rtlCol="0" anchor="ctr"/>
+          <a:lstStyle/>
+          <a:p>
+            <a:pPr algn="ctr"/>
+            <a:endParaRPr lang="en-US"/>
+          </a:p>
+        </p:txBody>
+      </p:sp>
+      <p:sp>
+        <p:nvSpPr>
+          <p:cNvPr id="2" name="Title 1">
+            <a:extLst>
+              <a:ext uri="{FF2B5EF4-FFF2-40B4-BE49-F238E27FC236}">
+                <a16:creationId xmlns:a16="http://schemas.microsoft.com/office/drawing/2014/main" id="{6EC3F0F3-57AF-505B-59BE-65DC02D5D51D}"/>
+              </a:ext>
+            </a:extLst>
+          </p:cNvPr>
+          <p:cNvSpPr>
+            <a:spLocks noGrp="1"/>
+          </p:cNvSpPr>
+          <p:nvPr>
+            <p:ph type="title"/>
+          </p:nvPr>
+        </p:nvSpPr>
+        <p:spPr>
+          <a:xfrm>
+            <a:off x="556532" y="643467"/>
+            <a:ext cx="11210925" cy="744836"/>
+          </a:xfrm>
+        </p:spPr>
+        <p:txBody>
+          <a:bodyPr vert="horz" lIns="91440" tIns="45720" rIns="91440" bIns="45720" rtlCol="0" anchor="ctr">
+            <a:normAutofit/>
+          </a:bodyPr>
+          <a:lstStyle/>
+          <a:p>
+            <a:pPr algn="ctr"/>
+            <a:r>
+              <a:rPr lang="en-US" sz="3200" kern="1200">
+                <a:solidFill>
+                  <a:schemeClr val="bg1"/>
+                </a:solidFill>
+                <a:latin typeface="+mj-lt"/>
+                <a:ea typeface="+mj-ea"/>
+                <a:cs typeface="+mj-cs"/>
+              </a:rPr>
+              <a:t>Performance Report</a:t>
+            </a:r>
+          </a:p>
+        </p:txBody>
+      </p:sp>
+      <p:pic>
+        <p:nvPicPr>
+          <p:cNvPr id="4" name="Content Placeholder 3" descr="A screenshot of a graph&#10;&#10;Description automatically generated">
+            <a:extLst>
+              <a:ext uri="{FF2B5EF4-FFF2-40B4-BE49-F238E27FC236}">
+                <a16:creationId xmlns:a16="http://schemas.microsoft.com/office/drawing/2014/main" id="{A4F2ECA7-B5B9-6CC7-0D6D-46D90DBF4496}"/>
+              </a:ext>
+            </a:extLst>
+          </p:cNvPr>
+          <p:cNvPicPr>
+            <a:picLocks noGrp="1" noChangeAspect="1"/>
+          </p:cNvPicPr>
+          <p:nvPr>
+            <p:ph idx="1"/>
+          </p:nvPr>
+        </p:nvPicPr>
+        <p:blipFill>
+          <a:blip r:embed="rId2"/>
+          <a:stretch>
+            <a:fillRect/>
+          </a:stretch>
+        </p:blipFill>
+        <p:spPr>
+          <a:xfrm>
+            <a:off x="2580641" y="1675227"/>
+            <a:ext cx="7030717" cy="4394199"/>
+          </a:xfrm>
+          <a:prstGeom prst="rect">
+            <a:avLst/>
+          </a:prstGeom>
+        </p:spPr>
+      </p:pic>
+    </p:spTree>
+    <p:extLst>
+      <p:ext uri="{BB962C8B-B14F-4D97-AF65-F5344CB8AC3E}">
+        <p14:creationId xmlns:p14="http://schemas.microsoft.com/office/powerpoint/2010/main" val="672569914"/>
+      </p:ext>
+    </p:extLst>
+  </p:cSld>
+  <p:clrMapOvr>
+    <a:masterClrMapping/>
+  </p:clrMapOvr>
+</p:sld>
+</file>
+
+<file path=ppt/slides/slide4.xml><?xml version="1.0" encoding="utf-8"?>
+<p:sld xmlns:a="http://schemas.openxmlformats.org/drawingml/2006/main" xmlns:r="http://schemas.openxmlformats.org/officeDocument/2006/relationships" xmlns:p="http://schemas.openxmlformats.org/presentationml/2006/main">
+  <p:cSld>
+    <p:bg>
+      <p:bgPr>
+        <a:solidFill>
+          <a:schemeClr val="bg1"/>
+        </a:solidFill>
+        <a:effectLst/>
+      </p:bgPr>
+    </p:bg>
+    <p:spTree>
+      <p:nvGrpSpPr>
+        <p:cNvPr id="1" name=""/>
+        <p:cNvGrpSpPr/>
+        <p:nvPr/>
+      </p:nvGrpSpPr>
+      <p:grpSpPr>
+        <a:xfrm>
+          <a:off x="0" y="0"/>
+          <a:ext cx="0" cy="0"/>
+          <a:chOff x="0" y="0"/>
+          <a:chExt cx="0" cy="0"/>
+        </a:xfrm>
+      </p:grpSpPr>
+      <p:sp useBgFill="1">
+        <p:nvSpPr>
+          <p:cNvPr id="16" name="Rectangle 15">
+            <a:extLst>
+              <a:ext uri="{FF2B5EF4-FFF2-40B4-BE49-F238E27FC236}">
+                <a16:creationId xmlns:a16="http://schemas.microsoft.com/office/drawing/2014/main" id="{AFF8D2E5-2C4E-47B1-930B-6C82B7C31331}"/>
+              </a:ext>
+              <a:ext uri="{C183D7F6-B498-43B3-948B-1728B52AA6E4}">
+                <adec:decorative xmlns:adec="http://schemas.microsoft.com/office/drawing/2017/decorative" val="1"/>
+              </a:ext>
+            </a:extLst>
+          </p:cNvPr>
+          <p:cNvSpPr>
+            <a:spLocks noGrp="1" noRot="1" noChangeAspect="1" noMove="1" noResize="1" noEditPoints="1" noAdjustHandles="1" noChangeArrowheads="1" noChangeShapeType="1" noTextEdit="1"/>
+          </p:cNvSpPr>
+          <p:nvPr>
+            <p:extLst>
+              <p:ext uri="{386F3935-93C4-4BCD-93E2-E3B085C9AB24}">
+                <p16:designElem xmlns:p16="http://schemas.microsoft.com/office/powerpoint/2015/main" val="1"/>
+              </p:ext>
+            </p:extLst>
+          </p:nvPr>
+        </p:nvSpPr>
+        <p:spPr>
+          <a:xfrm>
+            <a:off x="0" y="0"/>
+            <a:ext cx="12192000" cy="6858000"/>
+          </a:xfrm>
+          <a:prstGeom prst="rect">
+            <a:avLst/>
+          </a:prstGeom>
+          <a:ln>
+            <a:noFill/>
+          </a:ln>
+        </p:spPr>
+        <p:style>
+          <a:lnRef idx="2">
+            <a:schemeClr val="accent1">
+              <a:shade val="50000"/>
+            </a:schemeClr>
+          </a:lnRef>
+          <a:fillRef idx="1">
+            <a:schemeClr val="accent1"/>
+          </a:fillRef>
+          <a:effectRef idx="0">
+            <a:schemeClr val="accent1"/>
+          </a:effectRef>
+          <a:fontRef idx="minor">
+            <a:schemeClr val="lt1"/>
+          </a:fontRef>
+        </p:style>
+        <p:txBody>
+          <a:bodyPr rtlCol="0" anchor="ctr"/>
+          <a:lstStyle/>
+          <a:p>
+            <a:pPr algn="ctr"/>
+            <a:endParaRPr lang="en-US"/>
+          </a:p>
+        </p:txBody>
+      </p:sp>
+      <p:sp>
+        <p:nvSpPr>
+          <p:cNvPr id="2" name="Title 1">
+            <a:extLst>
+              <a:ext uri="{FF2B5EF4-FFF2-40B4-BE49-F238E27FC236}">
+                <a16:creationId xmlns:a16="http://schemas.microsoft.com/office/drawing/2014/main" id="{EE00B7FB-AA74-37C8-09A0-3E8701BF0E18}"/>
+              </a:ext>
+            </a:extLst>
+          </p:cNvPr>
+          <p:cNvSpPr>
+            <a:spLocks noGrp="1"/>
+          </p:cNvSpPr>
+          <p:nvPr>
+            <p:ph type="title"/>
+          </p:nvPr>
+        </p:nvSpPr>
+        <p:spPr>
+          <a:xfrm>
+            <a:off x="841248" y="251312"/>
+            <a:ext cx="10506456" cy="1010264"/>
+          </a:xfrm>
+        </p:spPr>
+        <p:txBody>
+          <a:bodyPr anchor="ctr">
+            <a:normAutofit/>
+          </a:bodyPr>
+          <a:lstStyle/>
+          <a:p>
+            <a:r>
+              <a:rPr lang="en-US">
+                <a:cs typeface="Calibri Light"/>
+              </a:rPr>
+              <a:t>K6 with Postman</a:t>
+            </a:r>
+          </a:p>
+        </p:txBody>
+      </p:sp>
+      <p:sp>
+        <p:nvSpPr>
+          <p:cNvPr id="18" name="Rectangle 17">
+            <a:extLst>
+              <a:ext uri="{FF2B5EF4-FFF2-40B4-BE49-F238E27FC236}">
+                <a16:creationId xmlns:a16="http://schemas.microsoft.com/office/drawing/2014/main" id="{801E4ADA-0EA9-4930-846E-3C11E8BED6DD}"/>
+              </a:ext>
+              <a:ext uri="{C183D7F6-B498-43B3-948B-1728B52AA6E4}">
+                <adec:decorative xmlns:adec="http://schemas.microsoft.com/office/drawing/2017/decorative" val="1"/>
+              </a:ext>
+            </a:extLst>
+          </p:cNvPr>
+          <p:cNvSpPr>
+            <a:spLocks noGrp="1" noRot="1" noChangeAspect="1" noMove="1" noResize="1" noEditPoints="1" noAdjustHandles="1" noChangeArrowheads="1" noChangeShapeType="1" noTextEdit="1"/>
+          </p:cNvSpPr>
+          <p:nvPr>
+            <p:extLst>
+              <p:ext uri="{386F3935-93C4-4BCD-93E2-E3B085C9AB24}">
+                <p16:designElem xmlns:p16="http://schemas.microsoft.com/office/powerpoint/2015/main" val="1"/>
+              </p:ext>
+            </p:extLst>
+          </p:nvPr>
+        </p:nvSpPr>
+        <p:spPr>
+          <a:xfrm>
+            <a:off x="0" y="417618"/>
+            <a:ext cx="128016" cy="631415"/>
+          </a:xfrm>
+          <a:prstGeom prst="rect">
+            <a:avLst/>
+          </a:prstGeom>
+          <a:solidFill>
+            <a:schemeClr val="accent2"/>
+          </a:solidFill>
+          <a:ln>
+            <a:noFill/>
+          </a:ln>
+        </p:spPr>
+        <p:style>
+          <a:lnRef idx="2">
+            <a:schemeClr val="accent1">
+              <a:shade val="50000"/>
+            </a:schemeClr>
+          </a:lnRef>
+          <a:fillRef idx="1">
+            <a:schemeClr val="accent1"/>
+          </a:fillRef>
+          <a:effectRef idx="0">
+            <a:schemeClr val="accent1"/>
+          </a:effectRef>
+          <a:fontRef idx="minor">
+            <a:schemeClr val="lt1"/>
+          </a:fontRef>
+        </p:style>
+        <p:txBody>
+          <a:bodyPr rtlCol="0" anchor="ctr"/>
+          <a:lstStyle/>
+          <a:p>
+            <a:pPr marL="0" marR="0" lvl="0" indent="0" algn="ctr" defTabSz="914400" rtl="0" eaLnBrk="1" fontAlgn="auto" latinLnBrk="0" hangingPunct="1">
+              <a:lnSpc>
+                <a:spcPct val="100000"/>
+              </a:lnSpc>
+              <a:spcBef>
+                <a:spcPts val="0"/>
+              </a:spcBef>
+              <a:spcAft>
+                <a:spcPts val="0"/>
+              </a:spcAft>
+              <a:buClrTx/>
+              <a:buSzTx/>
+              <a:buFontTx/>
+              <a:buNone/>
+              <a:tabLst/>
+              <a:defRPr/>
+            </a:pPr>
+            <a:endParaRPr kumimoji="0" lang="en-US" sz="1800" b="0" i="0" u="none" strike="noStrike" kern="1200" cap="none" spc="0" normalizeH="0" baseline="0" noProof="0">
+              <a:ln>
+                <a:noFill/>
+              </a:ln>
+              <a:solidFill>
+                <a:prstClr val="white"/>
+              </a:solidFill>
+              <a:effectLst/>
+              <a:uLnTx/>
+              <a:uFillTx/>
+              <a:latin typeface="Calibri" panose="020F0502020204030204"/>
+              <a:ea typeface="+mn-ea"/>
+              <a:cs typeface="+mn-cs"/>
+            </a:endParaRPr>
+          </a:p>
+        </p:txBody>
+      </p:sp>
+      <p:sp>
+        <p:nvSpPr>
+          <p:cNvPr id="20" name="Rectangle 19">
+            <a:extLst>
+              <a:ext uri="{FF2B5EF4-FFF2-40B4-BE49-F238E27FC236}">
+                <a16:creationId xmlns:a16="http://schemas.microsoft.com/office/drawing/2014/main" id="{FB92FFCE-0C90-454E-AA25-D4EE9A6C39C5}"/>
+              </a:ext>
+              <a:ext uri="{C183D7F6-B498-43B3-948B-1728B52AA6E4}">
+                <adec:decorative xmlns:adec="http://schemas.microsoft.com/office/drawing/2017/decorative" val="1"/>
+              </a:ext>
+            </a:extLst>
+          </p:cNvPr>
+          <p:cNvSpPr>
+            <a:spLocks noGrp="1" noRot="1" noChangeAspect="1" noMove="1" noResize="1" noEditPoints="1" noAdjustHandles="1" noChangeArrowheads="1" noChangeShapeType="1" noTextEdit="1"/>
+          </p:cNvSpPr>
+          <p:nvPr>
+            <p:extLst>
+              <p:ext uri="{386F3935-93C4-4BCD-93E2-E3B085C9AB24}">
+                <p16:designElem xmlns:p16="http://schemas.microsoft.com/office/powerpoint/2015/main" val="1"/>
+              </p:ext>
+            </p:extLst>
+          </p:nvPr>
+        </p:nvSpPr>
+        <p:spPr>
+          <a:xfrm>
+            <a:off x="841248" y="1380864"/>
+            <a:ext cx="10506456" cy="18288"/>
+          </a:xfrm>
+          <a:prstGeom prst="rect">
+            <a:avLst/>
+          </a:prstGeom>
+          <a:solidFill>
+            <a:srgbClr val="D5D5D5"/>
+          </a:solidFill>
+          <a:ln w="3175">
+            <a:noFill/>
+          </a:ln>
+          <a:effectLst/>
+        </p:spPr>
+        <p:style>
+          <a:lnRef idx="2">
+            <a:schemeClr val="accent1">
+              <a:shade val="50000"/>
+            </a:schemeClr>
+          </a:lnRef>
+          <a:fillRef idx="1">
+            <a:schemeClr val="accent1"/>
+          </a:fillRef>
+          <a:effectRef idx="0">
+            <a:schemeClr val="accent1"/>
+          </a:effectRef>
+          <a:fontRef idx="minor">
+            <a:schemeClr val="lt1"/>
+          </a:fontRef>
+        </p:style>
+        <p:txBody>
+          <a:bodyPr rtlCol="0" anchor="ctr"/>
+          <a:lstStyle/>
+          <a:p>
+            <a:pPr algn="ctr"/>
+            <a:endParaRPr lang="en-US">
+              <a:solidFill>
+                <a:prstClr val="white"/>
+              </a:solidFill>
+              <a:latin typeface="Calibri" panose="020F0502020204030204"/>
+            </a:endParaRPr>
+          </a:p>
+        </p:txBody>
+      </p:sp>
+      <p:graphicFrame>
+        <p:nvGraphicFramePr>
+          <p:cNvPr id="12" name="Content Placeholder 2">
+            <a:extLst>
+              <a:ext uri="{FF2B5EF4-FFF2-40B4-BE49-F238E27FC236}">
+                <a16:creationId xmlns:a16="http://schemas.microsoft.com/office/drawing/2014/main" id="{EA08EE4D-A6D9-CE19-0605-82787AB495B6}"/>
+              </a:ext>
+            </a:extLst>
+          </p:cNvPr>
+          <p:cNvGraphicFramePr>
+            <a:graphicFrameLocks noGrp="1"/>
+          </p:cNvGraphicFramePr>
+          <p:nvPr>
+            <p:ph idx="1"/>
+            <p:extLst>
+              <p:ext uri="{D42A27DB-BD31-4B8C-83A1-F6EECF244321}">
+                <p14:modId xmlns:p14="http://schemas.microsoft.com/office/powerpoint/2010/main" val="3887246665"/>
+              </p:ext>
+            </p:extLst>
+          </p:nvPr>
+        </p:nvGraphicFramePr>
+        <p:xfrm>
+          <a:off x="838200" y="1650222"/>
+          <a:ext cx="10506456" cy="4584946"/>
+        </p:xfrm>
+        <a:graphic>
+          <a:graphicData uri="http://schemas.openxmlformats.org/drawingml/2006/diagram">
+            <dgm:relIds xmlns:dgm="http://schemas.openxmlformats.org/drawingml/2006/diagram" xmlns:r="http://schemas.openxmlformats.org/officeDocument/2006/relationships" r:dm="rId2" r:lo="rId3" r:qs="rId4" r:cs="rId5"/>
+          </a:graphicData>
+        </a:graphic>
+      </p:graphicFrame>
+    </p:spTree>
+    <p:extLst>
+      <p:ext uri="{BB962C8B-B14F-4D97-AF65-F5344CB8AC3E}">
+        <p14:creationId xmlns:p14="http://schemas.microsoft.com/office/powerpoint/2010/main" val="3727838486"/>
+      </p:ext>
+    </p:extLst>
+  </p:cSld>
+  <p:clrMapOvr>
+    <a:masterClrMapping/>
+  </p:clrMapOvr>
+</p:sld>
+</file>
+
+<file path=ppt/slides/slide5.xml><?xml version="1.0" encoding="utf-8"?>
+<p:sld xmlns:a="http://schemas.openxmlformats.org/drawingml/2006/main" xmlns:r="http://schemas.openxmlformats.org/officeDocument/2006/relationships" xmlns:p="http://schemas.openxmlformats.org/presentationml/2006/main">
+  <p:cSld>
+    <p:spTree>
+      <p:nvGrpSpPr>
+        <p:cNvPr id="1" name=""/>
+        <p:cNvGrpSpPr/>
+        <p:nvPr/>
+      </p:nvGrpSpPr>
+      <p:grpSpPr>
+        <a:xfrm>
+          <a:off x="0" y="0"/>
+          <a:ext cx="0" cy="0"/>
+          <a:chOff x="0" y="0"/>
+          <a:chExt cx="0" cy="0"/>
+        </a:xfrm>
+      </p:grpSpPr>
+      <p:sp>
+        <p:nvSpPr>
+          <p:cNvPr id="2" name="Title 1">
+            <a:extLst>
+              <a:ext uri="{FF2B5EF4-FFF2-40B4-BE49-F238E27FC236}">
+                <a16:creationId xmlns:a16="http://schemas.microsoft.com/office/drawing/2014/main" id="{68B025E4-4660-F85D-C12F-F5B62347C607}"/>
+              </a:ext>
+            </a:extLst>
+          </p:cNvPr>
+          <p:cNvSpPr>
+            <a:spLocks noGrp="1"/>
+          </p:cNvSpPr>
+          <p:nvPr>
+            <p:ph type="title"/>
+          </p:nvPr>
+        </p:nvSpPr>
+        <p:spPr>
+          <a:xfrm>
+            <a:off x="435634" y="135088"/>
+            <a:ext cx="10918166" cy="2547636"/>
+          </a:xfrm>
+        </p:spPr>
+        <p:txBody>
+          <a:bodyPr>
+            <a:normAutofit/>
+          </a:bodyPr>
+          <a:lstStyle/>
+          <a:p>
+            <a:r>
+              <a:rPr lang="en-US" dirty="0">
+                <a:solidFill>
+                  <a:schemeClr val="tx2"/>
+                </a:solidFill>
+                <a:cs typeface="Calibri Light"/>
+              </a:rPr>
+              <a:t>Why K6 with Postman ?</a:t>
+            </a:r>
+            <a:br>
+              <a:rPr lang="en-US" dirty="0">
+                <a:cs typeface="Calibri Light"/>
+              </a:rPr>
+            </a:br>
+            <a:r>
+              <a:rPr lang="en-US" sz="2400" dirty="0">
+                <a:latin typeface="Calibri"/>
+                <a:cs typeface="Calibri"/>
+              </a:rPr>
+              <a:t>This will help tester to test performance/load/stress testing of APIs in the beginning of the development. It is kind of approach for shift left and helps to identify performance issues in early phase. We can easily convert postman collection to K6 script.</a:t>
+            </a:r>
+          </a:p>
+        </p:txBody>
+      </p:sp>
+      <p:sp>
+        <p:nvSpPr>
+          <p:cNvPr id="3" name="Content Placeholder 2">
+            <a:extLst>
+              <a:ext uri="{FF2B5EF4-FFF2-40B4-BE49-F238E27FC236}">
+                <a16:creationId xmlns:a16="http://schemas.microsoft.com/office/drawing/2014/main" id="{C65CF5A7-714F-224A-F722-F00581CD3C2B}"/>
+              </a:ext>
+            </a:extLst>
+          </p:cNvPr>
+          <p:cNvSpPr>
+            <a:spLocks noGrp="1"/>
+          </p:cNvSpPr>
+          <p:nvPr>
+            <p:ph idx="1"/>
+          </p:nvPr>
+        </p:nvSpPr>
+        <p:spPr>
+          <a:xfrm>
+            <a:off x="349370" y="2357589"/>
+            <a:ext cx="11579524" cy="4106922"/>
+          </a:xfrm>
+        </p:spPr>
+        <p:txBody>
+          <a:bodyPr vert="horz" lIns="91440" tIns="45720" rIns="91440" bIns="45720" rtlCol="0" anchor="t">
+            <a:noAutofit/>
+          </a:bodyPr>
+          <a:lstStyle/>
+          <a:p>
+            <a:pPr marL="0" indent="0">
+              <a:buNone/>
+            </a:pPr>
+            <a:r>
+              <a:rPr lang="en-US" dirty="0">
+                <a:cs typeface="Calibri" panose="020F0502020204030204"/>
+              </a:rPr>
+              <a:t>Prerequisite</a:t>
+            </a:r>
+          </a:p>
+          <a:p>
+            <a:r>
+              <a:rPr lang="en-US" dirty="0">
+                <a:cs typeface="Calibri" panose="020F0502020204030204"/>
+              </a:rPr>
+              <a:t>Node.js </a:t>
+            </a:r>
+            <a:r>
+              <a:rPr lang="en-US" dirty="0">
+                <a:solidFill>
+                  <a:srgbClr val="13C4A5"/>
+                </a:solidFill>
+                <a:ea typeface="+mn-lt"/>
+                <a:cs typeface="+mn-lt"/>
+                <a:hlinkClick r:id="rId2"/>
+              </a:rPr>
+              <a:t>https://nodejs.org/en</a:t>
+            </a:r>
+            <a:endParaRPr lang="en-US">
+              <a:solidFill>
+                <a:srgbClr val="13C4A5"/>
+              </a:solidFill>
+              <a:ea typeface="+mn-lt"/>
+              <a:cs typeface="+mn-lt"/>
+            </a:endParaRPr>
+          </a:p>
+          <a:p>
+            <a:r>
+              <a:rPr lang="en-US" dirty="0">
+                <a:cs typeface="Calibri" panose="020F0502020204030204"/>
+              </a:rPr>
+              <a:t>K6 </a:t>
+            </a:r>
+            <a:r>
+              <a:rPr lang="en-US" dirty="0">
+                <a:solidFill>
+                  <a:srgbClr val="13C4A5"/>
+                </a:solidFill>
+                <a:ea typeface="+mn-lt"/>
+                <a:cs typeface="+mn-lt"/>
+                <a:hlinkClick r:id="rId3"/>
+              </a:rPr>
+              <a:t>https://k6.io/open-source/</a:t>
+            </a:r>
+            <a:endParaRPr lang="en-US" dirty="0">
+              <a:cs typeface="Calibri" panose="020F0502020204030204"/>
+            </a:endParaRPr>
+          </a:p>
+          <a:p>
+            <a:r>
+              <a:rPr lang="en-US" dirty="0">
+                <a:cs typeface="Calibri" panose="020F0502020204030204"/>
+              </a:rPr>
+              <a:t>Newman    </a:t>
+            </a:r>
+            <a:r>
+              <a:rPr lang="en-US" dirty="0">
+                <a:ea typeface="+mn-lt"/>
+                <a:cs typeface="+mn-lt"/>
+              </a:rPr>
+              <a:t> </a:t>
+            </a:r>
+            <a:r>
+              <a:rPr lang="en-US" dirty="0">
+                <a:solidFill>
+                  <a:srgbClr val="13C4A5"/>
+                </a:solidFill>
+                <a:ea typeface="+mn-lt"/>
+                <a:cs typeface="+mn-lt"/>
+                <a:hlinkClick r:id="rId4"/>
+              </a:rPr>
+              <a:t>https://www.npmjs.com/package/newman</a:t>
+            </a:r>
+            <a:endParaRPr lang="en-US" dirty="0">
+              <a:cs typeface="Calibri" panose="020F0502020204030204"/>
+            </a:endParaRPr>
+          </a:p>
+          <a:p>
+            <a:r>
+              <a:rPr lang="en-US" dirty="0">
+                <a:cs typeface="Calibri" panose="020F0502020204030204"/>
+              </a:rPr>
+              <a:t>VS Code </a:t>
+            </a:r>
+            <a:r>
+              <a:rPr lang="en-US" dirty="0">
+                <a:solidFill>
+                  <a:srgbClr val="13C4A5"/>
+                </a:solidFill>
+                <a:ea typeface="+mn-lt"/>
+                <a:cs typeface="+mn-lt"/>
+                <a:hlinkClick r:id="rId5"/>
+              </a:rPr>
+              <a:t>https://code.visualstudio.com/download</a:t>
+            </a:r>
+            <a:endParaRPr lang="en-US" dirty="0">
+              <a:ea typeface="+mn-lt"/>
+              <a:cs typeface="+mn-lt"/>
+            </a:endParaRPr>
+          </a:p>
+          <a:p>
+            <a:r>
+              <a:rPr lang="en-US" dirty="0">
+                <a:cs typeface="Calibri" panose="020F0502020204030204"/>
+              </a:rPr>
+              <a:t>Postman </a:t>
+            </a:r>
+            <a:r>
+              <a:rPr lang="en-US" dirty="0">
+                <a:solidFill>
+                  <a:srgbClr val="13C4A5"/>
+                </a:solidFill>
+                <a:ea typeface="+mn-lt"/>
+                <a:cs typeface="+mn-lt"/>
+                <a:hlinkClick r:id="rId6"/>
+              </a:rPr>
+              <a:t>https://www.postman.com/downloads/</a:t>
+            </a:r>
+            <a:r>
+              <a:rPr lang="en-US" dirty="0">
+                <a:ea typeface="+mn-lt"/>
+                <a:cs typeface="+mn-lt"/>
+              </a:rPr>
+              <a:t>(</a:t>
+            </a:r>
+            <a:r>
+              <a:rPr lang="en-US" err="1">
+                <a:ea typeface="+mn-lt"/>
+                <a:cs typeface="+mn-lt"/>
+              </a:rPr>
+              <a:t>Postbot</a:t>
+            </a:r>
+            <a:r>
+              <a:rPr lang="en-US" dirty="0">
+                <a:ea typeface="+mn-lt"/>
+                <a:cs typeface="+mn-lt"/>
+              </a:rPr>
+              <a:t> AI &amp; </a:t>
+            </a:r>
+            <a:r>
+              <a:rPr lang="en-US" err="1">
+                <a:ea typeface="+mn-lt"/>
+                <a:cs typeface="+mn-lt"/>
+              </a:rPr>
+              <a:t>NewMan</a:t>
+            </a:r>
+            <a:r>
+              <a:rPr lang="en-US" dirty="0">
+                <a:ea typeface="+mn-lt"/>
+                <a:cs typeface="+mn-lt"/>
+              </a:rPr>
+              <a:t>)</a:t>
+            </a:r>
+          </a:p>
+          <a:p>
+            <a:r>
+              <a:rPr lang="en-US" dirty="0">
+                <a:cs typeface="Calibri" panose="020F0502020204030204"/>
+              </a:rPr>
+              <a:t>Postman-to-k6 </a:t>
+            </a:r>
+            <a:r>
+              <a:rPr lang="en-US" dirty="0">
+                <a:solidFill>
+                  <a:srgbClr val="13C4A5"/>
+                </a:solidFill>
+                <a:ea typeface="+mn-lt"/>
+                <a:cs typeface="+mn-lt"/>
+                <a:hlinkClick r:id="rId7"/>
+              </a:rPr>
+              <a:t>https://www.npmjs.com/package/@apideck/postman-to-k6</a:t>
+            </a:r>
+            <a:endParaRPr lang="en-US">
+              <a:solidFill>
+                <a:srgbClr val="13C4A5"/>
+              </a:solidFill>
+              <a:cs typeface="Calibri" panose="020F0502020204030204"/>
+            </a:endParaRPr>
+          </a:p>
+          <a:p>
+            <a:r>
+              <a:rPr lang="en-US" dirty="0">
+                <a:cs typeface="Calibri" panose="020F0502020204030204"/>
+              </a:rPr>
+              <a:t>GitHub Actions</a:t>
+            </a:r>
+          </a:p>
+          <a:p>
+            <a:endParaRPr lang="en-US" sz="1200" dirty="0">
+              <a:solidFill>
+                <a:srgbClr val="13C4A5"/>
+              </a:solidFill>
+              <a:cs typeface="Calibri" panose="020F0502020204030204"/>
+            </a:endParaRPr>
+          </a:p>
+          <a:p>
+            <a:endParaRPr lang="en-US" sz="2400" dirty="0">
+              <a:cs typeface="Calibri" panose="020F0502020204030204"/>
+            </a:endParaRPr>
+          </a:p>
+          <a:p>
+            <a:endParaRPr lang="en-US" sz="2400" dirty="0">
+              <a:cs typeface="Calibri" panose="020F0502020204030204"/>
+            </a:endParaRPr>
+          </a:p>
+        </p:txBody>
+      </p:sp>
+    </p:spTree>
+    <p:extLst>
+      <p:ext uri="{BB962C8B-B14F-4D97-AF65-F5344CB8AC3E}">
+        <p14:creationId xmlns:p14="http://schemas.microsoft.com/office/powerpoint/2010/main" val="1408758638"/>
+      </p:ext>
+    </p:extLst>
+  </p:cSld>
+  <p:clrMapOvr>
+    <a:masterClrMapping/>
+  </p:clrMapOvr>
+</p:sld>
+</file>
+
+<file path=ppt/slides/slide6.xml><?xml version="1.0" encoding="utf-8"?>
+<p:sld xmlns:a="http://schemas.openxmlformats.org/drawingml/2006/main" xmlns:r="http://schemas.openxmlformats.org/officeDocument/2006/relationships" xmlns:p="http://schemas.openxmlformats.org/presentationml/2006/main">
+  <p:cSld>
+    <p:spTree>
+      <p:nvGrpSpPr>
+        <p:cNvPr id="1" name=""/>
+        <p:cNvGrpSpPr/>
+        <p:nvPr/>
+      </p:nvGrpSpPr>
+      <p:grpSpPr>
+        <a:xfrm>
+          <a:off x="0" y="0"/>
+          <a:ext cx="0" cy="0"/>
+          <a:chOff x="0" y="0"/>
+          <a:chExt cx="0" cy="0"/>
+        </a:xfrm>
+      </p:grpSpPr>
+      <p:sp>
+        <p:nvSpPr>
+          <p:cNvPr id="2" name="Title 1">
+            <a:extLst>
+              <a:ext uri="{FF2B5EF4-FFF2-40B4-BE49-F238E27FC236}">
+                <a16:creationId xmlns:a16="http://schemas.microsoft.com/office/drawing/2014/main" id="{B37B98DA-C86F-5D18-ABC6-EE5C0A272DD7}"/>
+              </a:ext>
+            </a:extLst>
+          </p:cNvPr>
+          <p:cNvSpPr>
+            <a:spLocks noGrp="1"/>
+          </p:cNvSpPr>
+          <p:nvPr>
+            <p:ph type="title"/>
+          </p:nvPr>
+        </p:nvSpPr>
+        <p:spPr>
+          <a:xfrm>
+            <a:off x="751936" y="206975"/>
+            <a:ext cx="10515600" cy="937374"/>
+          </a:xfrm>
+        </p:spPr>
+        <p:txBody>
+          <a:bodyPr/>
+          <a:lstStyle/>
+          <a:p>
+            <a:r>
+              <a:rPr lang="en-US" dirty="0">
+                <a:ea typeface="Calibri Light"/>
+                <a:cs typeface="Calibri Light"/>
+              </a:rPr>
+              <a:t>Detailed Steps- 1</a:t>
+            </a:r>
+            <a:endParaRPr lang="en-US" dirty="0"/>
+          </a:p>
+        </p:txBody>
+      </p:sp>
+      <p:sp>
+        <p:nvSpPr>
+          <p:cNvPr id="3" name="Content Placeholder 2">
+            <a:extLst>
+              <a:ext uri="{FF2B5EF4-FFF2-40B4-BE49-F238E27FC236}">
+                <a16:creationId xmlns:a16="http://schemas.microsoft.com/office/drawing/2014/main" id="{9944E1F9-8A3A-AC3B-85A8-DD31507155F0}"/>
+              </a:ext>
+            </a:extLst>
+          </p:cNvPr>
+          <p:cNvSpPr>
+            <a:spLocks noGrp="1"/>
+          </p:cNvSpPr>
+          <p:nvPr>
+            <p:ph idx="1"/>
+          </p:nvPr>
+        </p:nvSpPr>
+        <p:spPr>
+          <a:xfrm>
+            <a:off x="363748" y="1236154"/>
+            <a:ext cx="10990052" cy="4940809"/>
+          </a:xfrm>
+        </p:spPr>
+        <p:txBody>
+          <a:bodyPr vert="horz" lIns="91440" tIns="45720" rIns="91440" bIns="45720" rtlCol="0" anchor="t">
+            <a:normAutofit lnSpcReduction="10000"/>
+          </a:bodyPr>
+          <a:lstStyle/>
+          <a:p>
+            <a:pPr marL="514350" indent="-514350">
+              <a:buAutoNum type="arabicPeriod"/>
+            </a:pPr>
+            <a:r>
+              <a:rPr lang="en-US" dirty="0">
+                <a:ea typeface="Calibri"/>
+                <a:cs typeface="Calibri"/>
+              </a:rPr>
+              <a:t>Install prerequisites to complete the setup.</a:t>
+            </a:r>
+          </a:p>
+          <a:p>
+            <a:pPr marL="514350" indent="-514350">
+              <a:buAutoNum type="arabicPeriod"/>
+            </a:pPr>
+            <a:r>
+              <a:rPr lang="en-US" dirty="0">
+                <a:ea typeface="Calibri"/>
+                <a:cs typeface="Calibri"/>
+              </a:rPr>
+              <a:t>Create a collection , add requests and send requests.</a:t>
+            </a:r>
+          </a:p>
+          <a:p>
+            <a:pPr marL="514350" indent="-514350">
+              <a:buAutoNum type="arabicPeriod"/>
+            </a:pPr>
+            <a:r>
+              <a:rPr lang="en-US" dirty="0">
+                <a:ea typeface="Calibri"/>
+                <a:cs typeface="Calibri"/>
+              </a:rPr>
+              <a:t>Go to Test tab and click on </a:t>
+            </a:r>
+            <a:r>
+              <a:rPr lang="en-US" dirty="0" err="1">
+                <a:ea typeface="Calibri"/>
+                <a:cs typeface="Calibri"/>
+              </a:rPr>
+              <a:t>Postbot</a:t>
+            </a:r>
+            <a:r>
+              <a:rPr lang="en-US" dirty="0">
+                <a:ea typeface="Calibri"/>
+                <a:cs typeface="Calibri"/>
+              </a:rPr>
+              <a:t>, generate tests and save requests.</a:t>
+            </a:r>
+          </a:p>
+          <a:p>
+            <a:pPr marL="514350" indent="-514350">
+              <a:buAutoNum type="arabicPeriod"/>
+            </a:pPr>
+            <a:r>
+              <a:rPr lang="en-US" dirty="0">
+                <a:ea typeface="Calibri"/>
+                <a:cs typeface="Calibri"/>
+              </a:rPr>
+              <a:t>Create </a:t>
+            </a:r>
+            <a:r>
+              <a:rPr lang="en-US" dirty="0" err="1">
+                <a:ea typeface="Calibri"/>
+                <a:cs typeface="Calibri"/>
+              </a:rPr>
+              <a:t>npm</a:t>
+            </a:r>
+            <a:r>
+              <a:rPr lang="en-US" dirty="0">
+                <a:ea typeface="Calibri"/>
+                <a:cs typeface="Calibri"/>
+              </a:rPr>
+              <a:t> project using `</a:t>
+            </a:r>
+            <a:r>
+              <a:rPr lang="en-US" dirty="0" err="1">
+                <a:ea typeface="Calibri"/>
+                <a:cs typeface="Calibri"/>
+              </a:rPr>
+              <a:t>npm</a:t>
+            </a:r>
+            <a:r>
+              <a:rPr lang="en-US" dirty="0">
+                <a:ea typeface="Calibri"/>
+                <a:cs typeface="Calibri"/>
+              </a:rPr>
+              <a:t> </a:t>
+            </a:r>
+            <a:r>
+              <a:rPr lang="en-US" dirty="0" err="1">
+                <a:ea typeface="Calibri"/>
+                <a:cs typeface="Calibri"/>
+              </a:rPr>
+              <a:t>init</a:t>
+            </a:r>
+            <a:r>
+              <a:rPr lang="en-US" dirty="0">
+                <a:ea typeface="Calibri"/>
+                <a:cs typeface="Calibri"/>
+              </a:rPr>
+              <a:t> –y`</a:t>
+            </a:r>
+          </a:p>
+          <a:p>
+            <a:pPr marL="514350" indent="-514350">
+              <a:buAutoNum type="arabicPeriod"/>
+            </a:pPr>
+            <a:r>
+              <a:rPr lang="en-US" dirty="0">
+                <a:ea typeface="Calibri"/>
+                <a:cs typeface="Calibri"/>
+              </a:rPr>
+              <a:t>Add a folder as Collection and Environment, export from Postman and add in project.</a:t>
+            </a:r>
+          </a:p>
+          <a:p>
+            <a:pPr marL="514350" indent="-514350">
+              <a:buAutoNum type="arabicPeriod"/>
+            </a:pPr>
+            <a:r>
+              <a:rPr lang="en-US" dirty="0">
+                <a:ea typeface="Calibri"/>
+                <a:cs typeface="Calibri"/>
+              </a:rPr>
+              <a:t>In order to run collection from command line Install </a:t>
+            </a:r>
+            <a:r>
+              <a:rPr lang="en-US" dirty="0" err="1">
+                <a:ea typeface="Calibri"/>
+                <a:cs typeface="Calibri"/>
+              </a:rPr>
+              <a:t>newman</a:t>
+            </a:r>
+            <a:r>
+              <a:rPr lang="en-US" dirty="0">
+                <a:ea typeface="Calibri"/>
+                <a:cs typeface="Calibri"/>
+              </a:rPr>
+              <a:t>  `</a:t>
+            </a:r>
+            <a:r>
+              <a:rPr lang="en-US" dirty="0" err="1">
+                <a:ea typeface="Calibri"/>
+                <a:cs typeface="Calibri"/>
+              </a:rPr>
+              <a:t>npm</a:t>
+            </a:r>
+            <a:r>
+              <a:rPr lang="en-US" dirty="0">
+                <a:ea typeface="Calibri"/>
+                <a:cs typeface="Calibri"/>
+              </a:rPr>
+              <a:t> install </a:t>
+            </a:r>
+            <a:r>
+              <a:rPr lang="en-US" dirty="0" err="1">
+                <a:ea typeface="Calibri"/>
+                <a:cs typeface="Calibri"/>
+              </a:rPr>
+              <a:t>newman</a:t>
+            </a:r>
+            <a:r>
+              <a:rPr lang="en-US" dirty="0">
+                <a:ea typeface="Calibri"/>
+                <a:cs typeface="Calibri"/>
+              </a:rPr>
+              <a:t> –save –dev`.</a:t>
+            </a:r>
+          </a:p>
+          <a:p>
+            <a:pPr marL="514350" indent="-514350">
+              <a:buAutoNum type="arabicPeriod"/>
+            </a:pPr>
+            <a:r>
+              <a:rPr lang="en-US" dirty="0">
+                <a:ea typeface="Calibri"/>
+                <a:cs typeface="Calibri"/>
+              </a:rPr>
+              <a:t>In order to run the postman collections using K6, first we will need to convert postman collection files to k6 files using postman-to-k6 node package. `</a:t>
+            </a:r>
+            <a:r>
+              <a:rPr lang="en-US" dirty="0" err="1">
+                <a:ea typeface="Calibri"/>
+                <a:cs typeface="Calibri"/>
+              </a:rPr>
+              <a:t>npm</a:t>
+            </a:r>
+            <a:r>
+              <a:rPr lang="en-US" dirty="0">
+                <a:ea typeface="Calibri"/>
+                <a:cs typeface="Calibri"/>
+              </a:rPr>
+              <a:t> </a:t>
+            </a:r>
+            <a:r>
+              <a:rPr lang="en-US" dirty="0" err="1">
+                <a:ea typeface="Calibri"/>
+                <a:cs typeface="Calibri"/>
+              </a:rPr>
+              <a:t>i</a:t>
+            </a:r>
+            <a:r>
+              <a:rPr lang="en-US" dirty="0">
+                <a:ea typeface="Calibri"/>
+                <a:cs typeface="Calibri"/>
+              </a:rPr>
+              <a:t> @apideck/postman-to-k6`</a:t>
+            </a:r>
+          </a:p>
+          <a:p>
+            <a:pPr marL="514350" indent="-514350">
+              <a:buAutoNum type="arabicPeriod"/>
+            </a:pPr>
+            <a:endParaRPr lang="en-US" sz="1400" b="1" i="1" dirty="0">
+              <a:solidFill>
+                <a:srgbClr val="444444"/>
+              </a:solidFill>
+              <a:ea typeface="Calibri"/>
+              <a:cs typeface="Calibri"/>
+            </a:endParaRPr>
+          </a:p>
+          <a:p>
+            <a:pPr marL="514350" indent="-514350">
+              <a:buAutoNum type="arabicPeriod"/>
+            </a:pPr>
+            <a:endParaRPr lang="en-US" dirty="0">
+              <a:ea typeface="Calibri"/>
+              <a:cs typeface="Calibri"/>
+            </a:endParaRPr>
+          </a:p>
+          <a:p>
+            <a:pPr marL="514350" indent="-514350">
+              <a:buAutoNum type="arabicPeriod"/>
+            </a:pPr>
+            <a:endParaRPr lang="en-US" dirty="0">
+              <a:ea typeface="Calibri"/>
+              <a:cs typeface="Calibri"/>
+            </a:endParaRPr>
+          </a:p>
+          <a:p>
+            <a:pPr marL="514350" indent="-514350">
+              <a:buAutoNum type="arabicPeriod"/>
+            </a:pPr>
+            <a:endParaRPr lang="en-US" dirty="0">
+              <a:ea typeface="Calibri"/>
+              <a:cs typeface="Calibri"/>
+            </a:endParaRPr>
+          </a:p>
+          <a:p>
+            <a:pPr marL="514350" indent="-514350">
+              <a:buAutoNum type="arabicPeriod"/>
+            </a:pPr>
+            <a:endParaRPr lang="en-US" dirty="0">
+              <a:ea typeface="Calibri"/>
+              <a:cs typeface="Calibri"/>
+            </a:endParaRPr>
+          </a:p>
+          <a:p>
+            <a:pPr marL="514350" indent="-514350">
+              <a:buAutoNum type="arabicPeriod"/>
+            </a:pPr>
+            <a:endParaRPr lang="en-US" dirty="0">
+              <a:ea typeface="Calibri"/>
+              <a:cs typeface="Calibri"/>
+            </a:endParaRPr>
+          </a:p>
+        </p:txBody>
+      </p:sp>
+    </p:spTree>
+    <p:extLst>
+      <p:ext uri="{BB962C8B-B14F-4D97-AF65-F5344CB8AC3E}">
+        <p14:creationId xmlns:p14="http://schemas.microsoft.com/office/powerpoint/2010/main" val="2859915854"/>
+      </p:ext>
+    </p:extLst>
+  </p:cSld>
+  <p:clrMapOvr>
+    <a:masterClrMapping/>
+  </p:clrMapOvr>
+</p:sld>
+</file>
+
+<file path=ppt/slides/slide7.xml><?xml version="1.0" encoding="utf-8"?>
+<p:sld xmlns:a="http://schemas.openxmlformats.org/drawingml/2006/main" xmlns:r="http://schemas.openxmlformats.org/officeDocument/2006/relationships" xmlns:p="http://schemas.openxmlformats.org/presentationml/2006/main">
+  <p:cSld>
+    <p:spTree>
+      <p:nvGrpSpPr>
+        <p:cNvPr id="1" name=""/>
+        <p:cNvGrpSpPr/>
+        <p:nvPr/>
+      </p:nvGrpSpPr>
+      <p:grpSpPr>
+        <a:xfrm>
+          <a:off x="0" y="0"/>
+          <a:ext cx="0" cy="0"/>
+          <a:chOff x="0" y="0"/>
+          <a:chExt cx="0" cy="0"/>
+        </a:xfrm>
+      </p:grpSpPr>
+      <p:sp>
+        <p:nvSpPr>
+          <p:cNvPr id="2" name="Title 1">
+            <a:extLst>
+              <a:ext uri="{FF2B5EF4-FFF2-40B4-BE49-F238E27FC236}">
+                <a16:creationId xmlns:a16="http://schemas.microsoft.com/office/drawing/2014/main" id="{5CC0F6EA-8C56-5803-520E-AC95F112D7FA}"/>
+              </a:ext>
+            </a:extLst>
+          </p:cNvPr>
+          <p:cNvSpPr>
+            <a:spLocks noGrp="1"/>
+          </p:cNvSpPr>
+          <p:nvPr>
+            <p:ph type="title"/>
+          </p:nvPr>
+        </p:nvSpPr>
+        <p:spPr/>
+        <p:txBody>
+          <a:bodyPr/>
+          <a:lstStyle/>
+          <a:p>
+            <a:r>
+              <a:rPr lang="en-US" dirty="0">
+                <a:ea typeface="Calibri Light"/>
+                <a:cs typeface="Calibri Light"/>
+              </a:rPr>
+              <a:t>Detailed Steps- 2</a:t>
+            </a:r>
+          </a:p>
+        </p:txBody>
+      </p:sp>
+      <p:sp>
+        <p:nvSpPr>
+          <p:cNvPr id="3" name="Content Placeholder 2">
+            <a:extLst>
+              <a:ext uri="{FF2B5EF4-FFF2-40B4-BE49-F238E27FC236}">
+                <a16:creationId xmlns:a16="http://schemas.microsoft.com/office/drawing/2014/main" id="{117EAF68-8101-D775-B10B-3A8A2F73D466}"/>
+              </a:ext>
+            </a:extLst>
+          </p:cNvPr>
+          <p:cNvSpPr>
+            <a:spLocks noGrp="1"/>
+          </p:cNvSpPr>
+          <p:nvPr>
+            <p:ph idx="1"/>
+          </p:nvPr>
+        </p:nvSpPr>
+        <p:spPr/>
+        <p:txBody>
+          <a:bodyPr vert="horz" lIns="91440" tIns="45720" rIns="91440" bIns="45720" rtlCol="0" anchor="t">
+            <a:normAutofit/>
+          </a:bodyPr>
+          <a:lstStyle/>
+          <a:p>
+            <a:pPr marL="0" indent="0">
+              <a:buNone/>
+            </a:pPr>
+            <a:r>
+              <a:rPr lang="en-US" dirty="0">
+                <a:ea typeface="Calibri"/>
+                <a:cs typeface="Calibri"/>
+              </a:rPr>
+              <a:t>8. Commands to run postman </a:t>
+            </a:r>
+            <a:r>
+              <a:rPr lang="en-US">
+                <a:ea typeface="Calibri"/>
+                <a:cs typeface="Calibri"/>
+              </a:rPr>
+              <a:t>collections using Newman : </a:t>
+            </a:r>
+            <a:endParaRPr lang="en-US" dirty="0">
+              <a:ea typeface="Calibri"/>
+              <a:cs typeface="Calibri"/>
+            </a:endParaRPr>
+          </a:p>
+          <a:p>
+            <a:pPr>
+              <a:buNone/>
+            </a:pPr>
+            <a:r>
+              <a:rPr lang="en-US" sz="2000" dirty="0">
+                <a:solidFill>
+                  <a:srgbClr val="CCCCCC"/>
+                </a:solidFill>
+                <a:latin typeface="Consolas"/>
+                <a:ea typeface="Calibri"/>
+                <a:cs typeface="Calibri"/>
+              </a:rPr>
+              <a:t> </a:t>
+            </a:r>
+            <a:r>
+              <a:rPr lang="en-US" sz="2000" dirty="0">
+                <a:solidFill>
+                  <a:srgbClr val="CE9178"/>
+                </a:solidFill>
+                <a:latin typeface="Consolas"/>
+                <a:ea typeface="Calibri"/>
+                <a:cs typeface="Calibri"/>
+              </a:rPr>
+              <a:t>"</a:t>
+            </a:r>
+            <a:r>
+              <a:rPr lang="en-US" sz="2000" err="1">
+                <a:solidFill>
+                  <a:srgbClr val="CE9178"/>
+                </a:solidFill>
+                <a:latin typeface="Consolas"/>
+                <a:ea typeface="Calibri"/>
+                <a:cs typeface="Calibri"/>
+              </a:rPr>
+              <a:t>newman</a:t>
+            </a:r>
+            <a:r>
+              <a:rPr lang="en-US" sz="2000" dirty="0">
+                <a:solidFill>
+                  <a:srgbClr val="CE9178"/>
+                </a:solidFill>
+                <a:latin typeface="Consolas"/>
+                <a:ea typeface="Calibri"/>
+                <a:cs typeface="Calibri"/>
+              </a:rPr>
+              <a:t> run ./collections/</a:t>
+            </a:r>
+            <a:r>
+              <a:rPr lang="en-US" sz="2000" err="1">
+                <a:solidFill>
+                  <a:srgbClr val="CE9178"/>
+                </a:solidFill>
+                <a:latin typeface="Consolas"/>
+                <a:ea typeface="Calibri"/>
+                <a:cs typeface="Calibri"/>
+              </a:rPr>
+              <a:t>Playwright_API_Test.postman_collection.json</a:t>
+            </a:r>
+            <a:r>
+              <a:rPr lang="en-US" sz="2000" dirty="0">
+                <a:solidFill>
+                  <a:srgbClr val="CE9178"/>
+                </a:solidFill>
+                <a:latin typeface="Consolas"/>
+                <a:ea typeface="Calibri"/>
+                <a:cs typeface="Calibri"/>
+              </a:rPr>
+              <a:t> -e </a:t>
+            </a:r>
+            <a:r>
+              <a:rPr lang="en-US" sz="2000">
+                <a:solidFill>
+                  <a:srgbClr val="CE9178"/>
+                </a:solidFill>
+                <a:latin typeface="Consolas"/>
+                <a:ea typeface="Calibri"/>
+                <a:cs typeface="Calibri"/>
+              </a:rPr>
+              <a:t>./</a:t>
+            </a:r>
+            <a:r>
+              <a:rPr lang="en-US" sz="2000" err="1">
+                <a:solidFill>
+                  <a:srgbClr val="CE9178"/>
+                </a:solidFill>
+                <a:latin typeface="Consolas"/>
+                <a:ea typeface="Calibri"/>
+                <a:cs typeface="Calibri"/>
+              </a:rPr>
+              <a:t>enviornments</a:t>
+            </a:r>
+            <a:r>
+              <a:rPr lang="en-US" sz="2000">
+                <a:solidFill>
+                  <a:srgbClr val="CE9178"/>
+                </a:solidFill>
+                <a:latin typeface="Consolas"/>
+                <a:ea typeface="Calibri"/>
+                <a:cs typeface="Calibri"/>
+              </a:rPr>
+              <a:t>/</a:t>
+            </a:r>
+            <a:r>
+              <a:rPr lang="en-US" sz="2000" err="1">
+                <a:solidFill>
+                  <a:srgbClr val="CE9178"/>
+                </a:solidFill>
+                <a:latin typeface="Consolas"/>
+                <a:ea typeface="Calibri"/>
+                <a:cs typeface="Calibri"/>
+              </a:rPr>
+              <a:t>UAT.postman_environment.json</a:t>
+            </a:r>
+            <a:r>
+              <a:rPr lang="en-US" sz="2000">
+                <a:solidFill>
+                  <a:srgbClr val="CE9178"/>
+                </a:solidFill>
+                <a:latin typeface="Consolas"/>
+                <a:ea typeface="Calibri"/>
+                <a:cs typeface="Calibri"/>
+              </a:rPr>
+              <a:t>"</a:t>
+            </a:r>
+            <a:endParaRPr lang="en-US" sz="2000" dirty="0">
+              <a:solidFill>
+                <a:srgbClr val="CCCCCC"/>
+              </a:solidFill>
+              <a:latin typeface="Consolas"/>
+              <a:ea typeface="Calibri"/>
+              <a:cs typeface="Calibri"/>
+            </a:endParaRPr>
+          </a:p>
+          <a:p>
+            <a:pPr>
+              <a:buNone/>
+            </a:pPr>
+            <a:endParaRPr lang="en-US" sz="2000" dirty="0">
+              <a:solidFill>
+                <a:srgbClr val="CCCCCC"/>
+              </a:solidFill>
+              <a:latin typeface="Consolas"/>
+              <a:ea typeface="Calibri"/>
+              <a:cs typeface="Calibri"/>
+            </a:endParaRPr>
+          </a:p>
+          <a:p>
+            <a:pPr>
+              <a:buNone/>
+            </a:pPr>
+            <a:r>
+              <a:rPr lang="en-US">
+                <a:ea typeface="Calibri"/>
+                <a:cs typeface="Calibri"/>
+              </a:rPr>
+              <a:t>9. Commands to convert postman collections to K6 :</a:t>
+            </a:r>
+            <a:endParaRPr lang="en-US" dirty="0">
+              <a:ea typeface="Calibri"/>
+              <a:cs typeface="Calibri"/>
+            </a:endParaRPr>
+          </a:p>
+          <a:p>
+            <a:pPr>
+              <a:buNone/>
+            </a:pPr>
+            <a:r>
+              <a:rPr lang="en-US" sz="2000" dirty="0">
+                <a:solidFill>
+                  <a:srgbClr val="CE9178"/>
+                </a:solidFill>
+                <a:latin typeface="Consolas"/>
+                <a:ea typeface="Calibri"/>
+                <a:cs typeface="Calibri"/>
+              </a:rPr>
+              <a:t>"postman-to-k6 ./collections/</a:t>
+            </a:r>
+            <a:r>
+              <a:rPr lang="en-US" sz="2000" err="1">
+                <a:solidFill>
+                  <a:srgbClr val="CE9178"/>
+                </a:solidFill>
+                <a:latin typeface="Consolas"/>
+                <a:ea typeface="Calibri"/>
+                <a:cs typeface="Calibri"/>
+              </a:rPr>
+              <a:t>Performance_Testing.postman_collection.json</a:t>
+            </a:r>
+            <a:r>
+              <a:rPr lang="en-US" sz="2000" dirty="0">
+                <a:solidFill>
+                  <a:srgbClr val="CE9178"/>
+                </a:solidFill>
+                <a:latin typeface="Consolas"/>
+                <a:ea typeface="Calibri"/>
+                <a:cs typeface="Calibri"/>
+              </a:rPr>
+              <a:t> -e ./</a:t>
+            </a:r>
+            <a:r>
+              <a:rPr lang="en-US" sz="2000" err="1">
+                <a:solidFill>
+                  <a:srgbClr val="CE9178"/>
+                </a:solidFill>
+                <a:latin typeface="Consolas"/>
+                <a:ea typeface="Calibri"/>
+                <a:cs typeface="Calibri"/>
+              </a:rPr>
+              <a:t>enviornments</a:t>
+            </a:r>
+            <a:r>
+              <a:rPr lang="en-US" sz="2000" dirty="0">
+                <a:solidFill>
+                  <a:srgbClr val="CE9178"/>
+                </a:solidFill>
+                <a:latin typeface="Consolas"/>
+                <a:ea typeface="Calibri"/>
+                <a:cs typeface="Calibri"/>
+              </a:rPr>
+              <a:t>/</a:t>
+            </a:r>
+            <a:r>
+              <a:rPr lang="en-US" sz="2000" err="1">
+                <a:solidFill>
+                  <a:srgbClr val="CE9178"/>
+                </a:solidFill>
+                <a:latin typeface="Consolas"/>
+                <a:ea typeface="Calibri"/>
+                <a:cs typeface="Calibri"/>
+              </a:rPr>
+              <a:t>Performance_Env.postman_environment.json</a:t>
+            </a:r>
+            <a:r>
+              <a:rPr lang="en-US" sz="2000">
+                <a:solidFill>
+                  <a:srgbClr val="CE9178"/>
+                </a:solidFill>
+                <a:latin typeface="Consolas"/>
+                <a:ea typeface="Calibri"/>
+                <a:cs typeface="Calibri"/>
+              </a:rPr>
+              <a:t> -o k6-script.js"</a:t>
+            </a:r>
+            <a:endParaRPr lang="en-US" sz="2000">
+              <a:solidFill>
+                <a:srgbClr val="CCCCCC"/>
+              </a:solidFill>
+              <a:latin typeface="Consolas"/>
+              <a:ea typeface="Calibri"/>
+              <a:cs typeface="Calibri"/>
+            </a:endParaRPr>
+          </a:p>
+          <a:p>
+            <a:pPr>
+              <a:buNone/>
+            </a:pPr>
+            <a:r>
+              <a:rPr lang="en-US" dirty="0">
+                <a:ea typeface="Calibri"/>
+                <a:cs typeface="Calibri"/>
+              </a:rPr>
+              <a:t>10.Commands to execute K6 script :</a:t>
+            </a:r>
+          </a:p>
+          <a:p>
+            <a:pPr>
+              <a:buNone/>
+            </a:pPr>
+            <a:r>
+              <a:rPr lang="en-US" sz="2000" dirty="0">
+                <a:solidFill>
+                  <a:srgbClr val="CE9178"/>
+                </a:solidFill>
+                <a:latin typeface="Consolas"/>
+                <a:ea typeface="Calibri"/>
+                <a:cs typeface="Calibri"/>
+              </a:rPr>
+              <a:t>"k6 run k6-script.js --summary-trend-stats=</a:t>
+            </a:r>
+            <a:r>
+              <a:rPr lang="en-US" sz="2000" dirty="0">
+                <a:solidFill>
+                  <a:srgbClr val="D7BA7D"/>
+                </a:solidFill>
+                <a:latin typeface="Consolas"/>
+                <a:ea typeface="Calibri"/>
+                <a:cs typeface="Calibri"/>
+              </a:rPr>
+              <a:t>\"</a:t>
+            </a:r>
+            <a:r>
+              <a:rPr lang="en-US" sz="2000" err="1">
+                <a:solidFill>
+                  <a:srgbClr val="CE9178"/>
+                </a:solidFill>
+                <a:latin typeface="Consolas"/>
+                <a:ea typeface="Calibri"/>
+                <a:cs typeface="Calibri"/>
+              </a:rPr>
+              <a:t>avg,p</a:t>
+            </a:r>
+            <a:r>
+              <a:rPr lang="en-US" sz="2000" dirty="0">
+                <a:solidFill>
+                  <a:srgbClr val="CE9178"/>
+                </a:solidFill>
+                <a:latin typeface="Consolas"/>
+                <a:ea typeface="Calibri"/>
+                <a:cs typeface="Calibri"/>
+              </a:rPr>
+              <a:t>(90),p(99.9),p(99.99),count</a:t>
+            </a:r>
+            <a:r>
+              <a:rPr lang="en-US" sz="2000" dirty="0">
+                <a:solidFill>
+                  <a:srgbClr val="D7BA7D"/>
+                </a:solidFill>
+                <a:latin typeface="Consolas"/>
+                <a:ea typeface="Calibri"/>
+                <a:cs typeface="Calibri"/>
+              </a:rPr>
+              <a:t>\"</a:t>
+            </a:r>
+            <a:r>
+              <a:rPr lang="en-US" sz="2000" dirty="0">
+                <a:solidFill>
+                  <a:srgbClr val="CE9178"/>
+                </a:solidFill>
+                <a:latin typeface="Consolas"/>
+                <a:ea typeface="Calibri"/>
+                <a:cs typeface="Calibri"/>
+              </a:rPr>
+              <a:t> --out </a:t>
+            </a:r>
+            <a:r>
+              <a:rPr lang="en-US" sz="2000" err="1">
+                <a:solidFill>
+                  <a:srgbClr val="CE9178"/>
+                </a:solidFill>
+                <a:latin typeface="Consolas"/>
+                <a:ea typeface="Calibri"/>
+                <a:cs typeface="Calibri"/>
+              </a:rPr>
+              <a:t>json</a:t>
+            </a:r>
+            <a:r>
+              <a:rPr lang="en-US" sz="2000" dirty="0">
+                <a:solidFill>
+                  <a:srgbClr val="CE9178"/>
+                </a:solidFill>
+                <a:latin typeface="Consolas"/>
+                <a:ea typeface="Calibri"/>
+                <a:cs typeface="Calibri"/>
+              </a:rPr>
+              <a:t>=test.csv"</a:t>
+            </a:r>
+            <a:endParaRPr lang="en-US" sz="2000">
+              <a:ea typeface="Calibri"/>
+              <a:cs typeface="Calibri"/>
+            </a:endParaRPr>
+          </a:p>
+          <a:p>
+            <a:pPr>
+              <a:buNone/>
+            </a:pPr>
+            <a:endParaRPr lang="en-US" dirty="0">
+              <a:solidFill>
+                <a:srgbClr val="000000"/>
+              </a:solidFill>
+              <a:latin typeface="Calibri" panose="020F0502020204030204"/>
+              <a:ea typeface="Calibri"/>
+              <a:cs typeface="Calibri"/>
+            </a:endParaRPr>
+          </a:p>
+          <a:p>
+            <a:pPr>
+              <a:buNone/>
+            </a:pPr>
+            <a:endParaRPr lang="en-US" sz="1800" dirty="0">
+              <a:solidFill>
+                <a:srgbClr val="CE9178"/>
+              </a:solidFill>
+              <a:latin typeface="Consolas"/>
+              <a:ea typeface="Calibri"/>
+              <a:cs typeface="Calibri"/>
+            </a:endParaRPr>
+          </a:p>
+          <a:p>
+            <a:pPr>
+              <a:buNone/>
+            </a:pPr>
+            <a:endParaRPr lang="en-US" sz="1800" dirty="0">
+              <a:solidFill>
+                <a:srgbClr val="CCCCCC"/>
+              </a:solidFill>
+              <a:latin typeface="Consolas"/>
+              <a:ea typeface="Calibri"/>
+              <a:cs typeface="Calibri"/>
+            </a:endParaRPr>
+          </a:p>
+          <a:p>
+            <a:pPr marL="0" indent="0">
+              <a:buNone/>
+            </a:pPr>
+            <a:endParaRPr lang="en-US" dirty="0">
+              <a:ea typeface="Calibri"/>
+              <a:cs typeface="Calibri"/>
+            </a:endParaRPr>
+          </a:p>
+        </p:txBody>
+      </p:sp>
+    </p:spTree>
+    <p:extLst>
+      <p:ext uri="{BB962C8B-B14F-4D97-AF65-F5344CB8AC3E}">
+        <p14:creationId xmlns:p14="http://schemas.microsoft.com/office/powerpoint/2010/main" val="2841504294"/>
+      </p:ext>
+    </p:extLst>
+  </p:cSld>
+  <p:clrMapOvr>
+    <a:masterClrMapping/>
+  </p:clrMapOvr>
+</p:sld>
+</file>
+
+<file path=ppt/slides/slide8.xml><?xml version="1.0" encoding="utf-8"?>
+<p:sld xmlns:a="http://schemas.openxmlformats.org/drawingml/2006/main" xmlns:r="http://schemas.openxmlformats.org/officeDocument/2006/relationships" xmlns:p="http://schemas.openxmlformats.org/presentationml/2006/main">
+  <p:cSld>
+    <p:spTree>
+      <p:nvGrpSpPr>
+        <p:cNvPr id="1" name=""/>
+        <p:cNvGrpSpPr/>
+        <p:nvPr/>
+      </p:nvGrpSpPr>
+      <p:grpSpPr>
+        <a:xfrm>
+          <a:off x="0" y="0"/>
+          <a:ext cx="0" cy="0"/>
+          <a:chOff x="0" y="0"/>
+          <a:chExt cx="0" cy="0"/>
+        </a:xfrm>
+      </p:grpSpPr>
+      <p:sp>
+        <p:nvSpPr>
+          <p:cNvPr id="2" name="Title 1">
+            <a:extLst>
+              <a:ext uri="{FF2B5EF4-FFF2-40B4-BE49-F238E27FC236}">
+                <a16:creationId xmlns:a16="http://schemas.microsoft.com/office/drawing/2014/main" id="{15CCD831-BCB6-EC2F-5250-F1A67CE2C0E4}"/>
+              </a:ext>
+            </a:extLst>
+          </p:cNvPr>
+          <p:cNvSpPr>
+            <a:spLocks noGrp="1"/>
+          </p:cNvSpPr>
+          <p:nvPr>
+            <p:ph type="title"/>
+          </p:nvPr>
+        </p:nvSpPr>
+        <p:spPr>
+          <a:xfrm>
+            <a:off x="497840" y="365125"/>
+            <a:ext cx="10855960" cy="600075"/>
+          </a:xfrm>
+        </p:spPr>
+        <p:txBody>
+          <a:bodyPr>
+            <a:normAutofit fontScale="90000"/>
+          </a:bodyPr>
+          <a:lstStyle/>
+          <a:p>
+            <a:r>
+              <a:rPr lang="en-US" dirty="0">
+                <a:solidFill>
+                  <a:schemeClr val="accent1">
+                    <a:lumMod val="60000"/>
+                    <a:lumOff val="40000"/>
+                  </a:schemeClr>
+                </a:solidFill>
+              </a:rPr>
+              <a:t>Running Multiple Collections together</a:t>
+            </a:r>
+            <a:endParaRPr lang="en-IN" dirty="0">
+              <a:solidFill>
+                <a:schemeClr val="accent1">
+                  <a:lumMod val="60000"/>
+                  <a:lumOff val="40000"/>
+                </a:schemeClr>
+              </a:solidFill>
+            </a:endParaRPr>
+          </a:p>
+        </p:txBody>
+      </p:sp>
+      <p:sp>
+        <p:nvSpPr>
+          <p:cNvPr id="3" name="Content Placeholder 2">
+            <a:extLst>
+              <a:ext uri="{FF2B5EF4-FFF2-40B4-BE49-F238E27FC236}">
+                <a16:creationId xmlns:a16="http://schemas.microsoft.com/office/drawing/2014/main" id="{A4EF1CD5-F812-F478-6598-0A7B25345B40}"/>
+              </a:ext>
+            </a:extLst>
+          </p:cNvPr>
+          <p:cNvSpPr>
+            <a:spLocks noGrp="1"/>
+          </p:cNvSpPr>
+          <p:nvPr>
+            <p:ph idx="1"/>
+          </p:nvPr>
+        </p:nvSpPr>
+        <p:spPr>
+          <a:xfrm>
+            <a:off x="497840" y="965201"/>
+            <a:ext cx="10855960" cy="2357119"/>
+          </a:xfrm>
+        </p:spPr>
+        <p:txBody>
+          <a:bodyPr>
+            <a:normAutofit fontScale="85000" lnSpcReduction="20000"/>
+          </a:bodyPr>
+          <a:lstStyle/>
+          <a:p>
+            <a:r>
+              <a:rPr lang="en-US" dirty="0"/>
+              <a:t>In the previous approach we might have to create multiple scripts for each collection. </a:t>
+            </a:r>
+          </a:p>
+          <a:p>
+            <a:r>
+              <a:rPr lang="en-US" dirty="0"/>
+              <a:t>As an enhancement we added a file ‘</a:t>
+            </a:r>
+            <a:r>
+              <a:rPr lang="en-IN" b="0" dirty="0">
+                <a:solidFill>
+                  <a:srgbClr val="CE9178"/>
+                </a:solidFill>
+                <a:effectLst/>
+                <a:latin typeface="Consolas" panose="020B0609020204030204" pitchFamily="49" charset="0"/>
+              </a:rPr>
+              <a:t>convert_postman_k6.js’</a:t>
+            </a:r>
+            <a:r>
+              <a:rPr lang="en-US" dirty="0"/>
+              <a:t> which reads all collections Json file stored under collections folder and convert their respective k6 script file under k6_script folder based on passed environment file.</a:t>
+            </a:r>
+          </a:p>
+          <a:p>
+            <a:pPr marL="0" indent="0">
+              <a:buNone/>
+            </a:pPr>
+            <a:r>
+              <a:rPr lang="en-US" dirty="0"/>
+              <a:t>    Script - </a:t>
+            </a:r>
+            <a:r>
+              <a:rPr lang="en-IN" b="0" dirty="0">
+                <a:solidFill>
+                  <a:srgbClr val="CE9178"/>
+                </a:solidFill>
+                <a:effectLst/>
+                <a:latin typeface="Consolas" panose="020B0609020204030204" pitchFamily="49" charset="0"/>
+              </a:rPr>
+              <a:t>"node convert_postman_k6.js </a:t>
+            </a:r>
+            <a:r>
+              <a:rPr lang="en-IN" b="0" dirty="0" err="1">
+                <a:solidFill>
+                  <a:srgbClr val="CE9178"/>
+                </a:solidFill>
+                <a:effectLst/>
+                <a:latin typeface="Consolas" panose="020B0609020204030204" pitchFamily="49" charset="0"/>
+              </a:rPr>
+              <a:t>uat</a:t>
+            </a:r>
+            <a:r>
+              <a:rPr lang="en-IN" b="0" dirty="0">
+                <a:solidFill>
+                  <a:srgbClr val="CE9178"/>
+                </a:solidFill>
+                <a:effectLst/>
+                <a:latin typeface="Consolas" panose="020B0609020204030204" pitchFamily="49" charset="0"/>
+              </a:rPr>
+              <a:t>"</a:t>
+            </a:r>
+            <a:r>
+              <a:rPr lang="en-IN" b="0" dirty="0">
+                <a:solidFill>
+                  <a:srgbClr val="CCCCCC"/>
+                </a:solidFill>
+                <a:effectLst/>
+                <a:latin typeface="Consolas" panose="020B0609020204030204" pitchFamily="49" charset="0"/>
+              </a:rPr>
+              <a:t>, </a:t>
+            </a:r>
+            <a:r>
+              <a:rPr lang="en-IN" dirty="0"/>
+              <a:t>Here </a:t>
+            </a:r>
+            <a:r>
+              <a:rPr lang="en-IN" dirty="0" err="1"/>
+              <a:t>uat</a:t>
+            </a:r>
+            <a:r>
+              <a:rPr lang="en-IN" dirty="0"/>
+              <a:t> is the exported</a:t>
+            </a:r>
+          </a:p>
+          <a:p>
+            <a:pPr marL="0" indent="0">
+              <a:buNone/>
+            </a:pPr>
+            <a:r>
+              <a:rPr lang="en-IN" dirty="0"/>
+              <a:t>    environment file name.</a:t>
+            </a:r>
+          </a:p>
+          <a:p>
+            <a:endParaRPr lang="en-IN" dirty="0"/>
+          </a:p>
+          <a:p>
+            <a:pPr marL="0" indent="0">
+              <a:buNone/>
+            </a:pPr>
+            <a:endParaRPr lang="en-IN" dirty="0"/>
+          </a:p>
+          <a:p>
+            <a:endParaRPr lang="en-IN" dirty="0"/>
+          </a:p>
+        </p:txBody>
+      </p:sp>
+      <p:sp>
+        <p:nvSpPr>
+          <p:cNvPr id="4" name="Title 1">
+            <a:extLst>
+              <a:ext uri="{FF2B5EF4-FFF2-40B4-BE49-F238E27FC236}">
+                <a16:creationId xmlns:a16="http://schemas.microsoft.com/office/drawing/2014/main" id="{2D2C62E4-04DC-7A1D-4D76-41BD4ACA02C2}"/>
+              </a:ext>
+            </a:extLst>
+          </p:cNvPr>
+          <p:cNvSpPr txBox="1">
+            <a:spLocks/>
+          </p:cNvSpPr>
+          <p:nvPr/>
+        </p:nvSpPr>
+        <p:spPr>
+          <a:xfrm>
+            <a:off x="386080" y="3429000"/>
+            <a:ext cx="10292080" cy="600074"/>
+          </a:xfrm>
+          <a:prstGeom prst="rect">
+            <a:avLst/>
+          </a:prstGeom>
+        </p:spPr>
+        <p:txBody>
+          <a:bodyPr vert="horz" lIns="91440" tIns="45720" rIns="91440" bIns="45720" rtlCol="0" anchor="ctr">
+            <a:normAutofit fontScale="90000" lnSpcReduction="10000"/>
+          </a:bodyPr>
+          <a:lstStyle>
+            <a:lvl1pPr algn="l" defTabSz="914400" rtl="0" eaLnBrk="1" latinLnBrk="0" hangingPunct="1">
+              <a:lnSpc>
+                <a:spcPct val="90000"/>
+              </a:lnSpc>
+              <a:spcBef>
+                <a:spcPct val="0"/>
+              </a:spcBef>
+              <a:buNone/>
+              <a:defRPr sz="4400" kern="1200">
+                <a:solidFill>
+                  <a:schemeClr val="tx1"/>
+                </a:solidFill>
+                <a:latin typeface="+mj-lt"/>
+                <a:ea typeface="+mj-ea"/>
+                <a:cs typeface="+mj-cs"/>
+              </a:defRPr>
+            </a:lvl1pPr>
+          </a:lstStyle>
+          <a:p>
+            <a:r>
+              <a:rPr lang="en-US" dirty="0">
+                <a:solidFill>
+                  <a:schemeClr val="accent1">
+                    <a:lumMod val="60000"/>
+                    <a:lumOff val="40000"/>
+                  </a:schemeClr>
+                </a:solidFill>
+              </a:rPr>
+              <a:t>Generating HTML Report for each collection</a:t>
+            </a:r>
+            <a:endParaRPr lang="en-IN" dirty="0">
+              <a:solidFill>
+                <a:schemeClr val="accent1">
+                  <a:lumMod val="60000"/>
+                  <a:lumOff val="40000"/>
+                </a:schemeClr>
+              </a:solidFill>
+            </a:endParaRPr>
+          </a:p>
+        </p:txBody>
+      </p:sp>
+      <p:sp>
+        <p:nvSpPr>
+          <p:cNvPr id="6" name="Content Placeholder 2">
+            <a:extLst>
+              <a:ext uri="{FF2B5EF4-FFF2-40B4-BE49-F238E27FC236}">
+                <a16:creationId xmlns:a16="http://schemas.microsoft.com/office/drawing/2014/main" id="{E80E756B-1EAD-E53D-86E0-0D69B5995B66}"/>
+              </a:ext>
+            </a:extLst>
+          </p:cNvPr>
+          <p:cNvSpPr txBox="1">
+            <a:spLocks/>
+          </p:cNvSpPr>
+          <p:nvPr/>
+        </p:nvSpPr>
+        <p:spPr>
+          <a:xfrm>
+            <a:off x="574040" y="4135756"/>
+            <a:ext cx="10855960" cy="2357119"/>
+          </a:xfrm>
+          <a:prstGeom prst="rect">
+            <a:avLst/>
+          </a:prstGeom>
+        </p:spPr>
+        <p:txBody>
+          <a:bodyPr vert="horz" lIns="91440" tIns="45720" rIns="91440" bIns="45720" rtlCol="0">
+            <a:normAutofit/>
+          </a:bodyPr>
+          <a:lstStyle>
+            <a:lvl1pPr marL="228600" indent="-228600" algn="l" defTabSz="914400" rtl="0" eaLnBrk="1" latinLnBrk="0" hangingPunct="1">
+              <a:lnSpc>
+                <a:spcPct val="90000"/>
+              </a:lnSpc>
+              <a:spcBef>
+                <a:spcPts val="1000"/>
+              </a:spcBef>
+              <a:buFont typeface="Arial" panose="020B0604020202020204" pitchFamily="34" charset="0"/>
+              <a:buChar char="•"/>
+              <a:defRPr sz="2800" kern="1200">
+                <a:solidFill>
+                  <a:schemeClr val="tx1"/>
+                </a:solidFill>
+                <a:latin typeface="+mn-lt"/>
+                <a:ea typeface="+mn-ea"/>
+                <a:cs typeface="+mn-cs"/>
+              </a:defRPr>
+            </a:lvl1pPr>
+            <a:lvl2pPr marL="685800" indent="-228600" algn="l" defTabSz="914400" rtl="0" eaLnBrk="1" latinLnBrk="0" hangingPunct="1">
+              <a:lnSpc>
+                <a:spcPct val="90000"/>
+              </a:lnSpc>
+              <a:spcBef>
+                <a:spcPts val="500"/>
+              </a:spcBef>
+              <a:buFont typeface="Arial" panose="020B0604020202020204" pitchFamily="34" charset="0"/>
+              <a:buChar char="•"/>
+              <a:defRPr sz="2400" kern="1200">
+                <a:solidFill>
+                  <a:schemeClr val="tx1"/>
+                </a:solidFill>
+                <a:latin typeface="+mn-lt"/>
+                <a:ea typeface="+mn-ea"/>
+                <a:cs typeface="+mn-cs"/>
+              </a:defRPr>
+            </a:lvl2pPr>
+            <a:lvl3pPr marL="1143000" indent="-228600" algn="l" defTabSz="914400" rtl="0" eaLnBrk="1" latinLnBrk="0" hangingPunct="1">
+              <a:lnSpc>
+                <a:spcPct val="90000"/>
+              </a:lnSpc>
+              <a:spcBef>
+                <a:spcPts val="500"/>
+              </a:spcBef>
+              <a:buFont typeface="Arial" panose="020B0604020202020204" pitchFamily="34" charset="0"/>
+              <a:buChar char="•"/>
+              <a:defRPr sz="2000" kern="1200">
+                <a:solidFill>
+                  <a:schemeClr val="tx1"/>
+                </a:solidFill>
+                <a:latin typeface="+mn-lt"/>
+                <a:ea typeface="+mn-ea"/>
+                <a:cs typeface="+mn-cs"/>
+              </a:defRPr>
+            </a:lvl3pPr>
+            <a:lvl4pPr marL="1600200" indent="-228600" algn="l" defTabSz="914400" rtl="0" eaLnBrk="1" latinLnBrk="0" hangingPunct="1">
+              <a:lnSpc>
+                <a:spcPct val="90000"/>
+              </a:lnSpc>
+              <a:spcBef>
+                <a:spcPts val="500"/>
+              </a:spcBef>
+              <a:buFont typeface="Arial" panose="020B0604020202020204" pitchFamily="34" charset="0"/>
+              <a:buChar char="•"/>
+              <a:defRPr sz="1800" kern="1200">
+                <a:solidFill>
+                  <a:schemeClr val="tx1"/>
+                </a:solidFill>
+                <a:latin typeface="+mn-lt"/>
+                <a:ea typeface="+mn-ea"/>
+                <a:cs typeface="+mn-cs"/>
+              </a:defRPr>
+            </a:lvl4pPr>
+            <a:lvl5pPr marL="2057400" indent="-228600" algn="l" defTabSz="914400" rtl="0" eaLnBrk="1" latinLnBrk="0" hangingPunct="1">
+              <a:lnSpc>
+                <a:spcPct val="90000"/>
+              </a:lnSpc>
+              <a:spcBef>
+                <a:spcPts val="500"/>
+              </a:spcBef>
+              <a:buFont typeface="Arial" panose="020B0604020202020204" pitchFamily="34" charset="0"/>
+              <a:buChar char="•"/>
+              <a:defRPr sz="1800" kern="1200">
+                <a:solidFill>
+                  <a:schemeClr val="tx1"/>
+                </a:solidFill>
+                <a:latin typeface="+mn-lt"/>
+                <a:ea typeface="+mn-ea"/>
+                <a:cs typeface="+mn-cs"/>
+              </a:defRPr>
+            </a:lvl5pPr>
+            <a:lvl6pPr marL="2514600" indent="-228600" algn="l" defTabSz="914400" rtl="0" eaLnBrk="1" latinLnBrk="0" hangingPunct="1">
+              <a:lnSpc>
+                <a:spcPct val="90000"/>
+              </a:lnSpc>
+              <a:spcBef>
+                <a:spcPts val="500"/>
+              </a:spcBef>
+              <a:buFont typeface="Arial" panose="020B0604020202020204" pitchFamily="34" charset="0"/>
+              <a:buChar char="•"/>
+              <a:defRPr sz="1800" kern="1200">
+                <a:solidFill>
+                  <a:schemeClr val="tx1"/>
+                </a:solidFill>
+                <a:latin typeface="+mn-lt"/>
+                <a:ea typeface="+mn-ea"/>
+                <a:cs typeface="+mn-cs"/>
+              </a:defRPr>
+            </a:lvl6pPr>
+            <a:lvl7pPr marL="2971800" indent="-228600" algn="l" defTabSz="914400" rtl="0" eaLnBrk="1" latinLnBrk="0" hangingPunct="1">
+              <a:lnSpc>
+                <a:spcPct val="90000"/>
+              </a:lnSpc>
+              <a:spcBef>
+                <a:spcPts val="500"/>
+              </a:spcBef>
+              <a:buFont typeface="Arial" panose="020B0604020202020204" pitchFamily="34" charset="0"/>
+              <a:buChar char="•"/>
+              <a:defRPr sz="1800" kern="1200">
+                <a:solidFill>
+                  <a:schemeClr val="tx1"/>
+                </a:solidFill>
+                <a:latin typeface="+mn-lt"/>
+                <a:ea typeface="+mn-ea"/>
+                <a:cs typeface="+mn-cs"/>
+              </a:defRPr>
+            </a:lvl7pPr>
+            <a:lvl8pPr marL="3429000" indent="-228600" algn="l" defTabSz="914400" rtl="0" eaLnBrk="1" latinLnBrk="0" hangingPunct="1">
+              <a:lnSpc>
+                <a:spcPct val="90000"/>
+              </a:lnSpc>
+              <a:spcBef>
+                <a:spcPts val="500"/>
+              </a:spcBef>
+              <a:buFont typeface="Arial" panose="020B0604020202020204" pitchFamily="34" charset="0"/>
+              <a:buChar char="•"/>
+              <a:defRPr sz="1800" kern="1200">
+                <a:solidFill>
+                  <a:schemeClr val="tx1"/>
+                </a:solidFill>
+                <a:latin typeface="+mn-lt"/>
+                <a:ea typeface="+mn-ea"/>
+                <a:cs typeface="+mn-cs"/>
+              </a:defRPr>
+            </a:lvl8pPr>
+            <a:lvl9pPr marL="3886200" indent="-228600" algn="l" defTabSz="914400" rtl="0" eaLnBrk="1" latinLnBrk="0" hangingPunct="1">
+              <a:lnSpc>
+                <a:spcPct val="90000"/>
+              </a:lnSpc>
+              <a:spcBef>
+                <a:spcPts val="500"/>
+              </a:spcBef>
+              <a:buFont typeface="Arial" panose="020B0604020202020204" pitchFamily="34" charset="0"/>
+              <a:buChar char="•"/>
+              <a:defRPr sz="1800" kern="1200">
+                <a:solidFill>
+                  <a:schemeClr val="tx1"/>
+                </a:solidFill>
+                <a:latin typeface="+mn-lt"/>
+                <a:ea typeface="+mn-ea"/>
+                <a:cs typeface="+mn-cs"/>
+              </a:defRPr>
+            </a:lvl9pPr>
+          </a:lstStyle>
+          <a:p>
+            <a:r>
+              <a:rPr lang="en-IN" dirty="0"/>
+              <a:t>Generally, K6 provides report in csv or </a:t>
+            </a:r>
+            <a:r>
+              <a:rPr lang="en-IN" dirty="0" err="1"/>
+              <a:t>json</a:t>
+            </a:r>
+            <a:r>
+              <a:rPr lang="en-IN" dirty="0"/>
+              <a:t> format for each k6 script file.</a:t>
+            </a:r>
+          </a:p>
+          <a:p>
+            <a:r>
+              <a:rPr lang="en-IN" dirty="0"/>
+              <a:t>We added handle summary in each converted k6 script file and executed k6 for each converted file.</a:t>
+            </a:r>
+          </a:p>
+          <a:p>
+            <a:r>
+              <a:rPr lang="en-IN" dirty="0"/>
+              <a:t>As a result, we get html report for each converted k6 file stored under reports folder.</a:t>
+            </a:r>
+          </a:p>
+          <a:p>
+            <a:pPr marL="0" indent="0">
+              <a:buFont typeface="Arial" panose="020B0604020202020204" pitchFamily="34" charset="0"/>
+              <a:buNone/>
+            </a:pPr>
+            <a:endParaRPr lang="en-IN" dirty="0"/>
+          </a:p>
+          <a:p>
+            <a:endParaRPr lang="en-IN" dirty="0"/>
+          </a:p>
+        </p:txBody>
+      </p:sp>
+    </p:spTree>
+    <p:extLst>
+      <p:ext uri="{BB962C8B-B14F-4D97-AF65-F5344CB8AC3E}">
+        <p14:creationId xmlns:p14="http://schemas.microsoft.com/office/powerpoint/2010/main" val="789307843"/>
+      </p:ext>
+    </p:extLst>
+  </p:cSld>
+  <p:clrMapOvr>
+    <a:masterClrMapping/>
+  </p:clrMapOvr>
+</p:sld>
+</file>
+
+<file path=ppt/slides/slide9.xml><?xml version="1.0" encoding="utf-8"?>
+<p:sld xmlns:a="http://schemas.openxmlformats.org/drawingml/2006/main" xmlns:r="http://schemas.openxmlformats.org/officeDocument/2006/relationships" xmlns:p="http://schemas.openxmlformats.org/presentationml/2006/main">
+  <p:cSld>
+    <p:spTree>
+      <p:nvGrpSpPr>
+        <p:cNvPr id="1" name=""/>
+        <p:cNvGrpSpPr/>
+        <p:nvPr/>
+      </p:nvGrpSpPr>
+      <p:grpSpPr>
+        <a:xfrm>
+          <a:off x="0" y="0"/>
+          <a:ext cx="0" cy="0"/>
+          <a:chOff x="0" y="0"/>
+          <a:chExt cx="0" cy="0"/>
+        </a:xfrm>
+      </p:grpSpPr>
+      <p:sp>
+        <p:nvSpPr>
+          <p:cNvPr id="2" name="Title 1">
+            <a:extLst>
+              <a:ext uri="{FF2B5EF4-FFF2-40B4-BE49-F238E27FC236}">
+                <a16:creationId xmlns:a16="http://schemas.microsoft.com/office/drawing/2014/main" id="{B252E5FB-0C66-6452-58D4-DA646FA9C26D}"/>
+              </a:ext>
+            </a:extLst>
+          </p:cNvPr>
+          <p:cNvSpPr>
+            <a:spLocks noGrp="1"/>
+          </p:cNvSpPr>
+          <p:nvPr>
+            <p:ph type="title"/>
+          </p:nvPr>
+        </p:nvSpPr>
+        <p:spPr>
+          <a:xfrm>
+            <a:off x="952500" y="96202"/>
+            <a:ext cx="10073640" cy="742315"/>
+          </a:xfrm>
+        </p:spPr>
+        <p:txBody>
+          <a:bodyPr/>
+          <a:lstStyle/>
+          <a:p>
+            <a:r>
+              <a:rPr lang="en-US" dirty="0">
+                <a:solidFill>
+                  <a:schemeClr val="accent6">
+                    <a:lumMod val="75000"/>
+                  </a:schemeClr>
+                </a:solidFill>
+              </a:rPr>
+              <a:t>POC Output	</a:t>
+            </a:r>
+            <a:endParaRPr lang="en-IN" dirty="0">
+              <a:solidFill>
+                <a:schemeClr val="accent6">
+                  <a:lumMod val="75000"/>
+                </a:schemeClr>
+              </a:solidFill>
+            </a:endParaRPr>
+          </a:p>
+        </p:txBody>
+      </p:sp>
+      <p:sp>
+        <p:nvSpPr>
+          <p:cNvPr id="3" name="Content Placeholder 2">
+            <a:extLst>
+              <a:ext uri="{FF2B5EF4-FFF2-40B4-BE49-F238E27FC236}">
+                <a16:creationId xmlns:a16="http://schemas.microsoft.com/office/drawing/2014/main" id="{CD95A64F-D2E9-62A8-AF47-29871F3954C7}"/>
+              </a:ext>
+            </a:extLst>
+          </p:cNvPr>
+          <p:cNvSpPr>
+            <a:spLocks noGrp="1"/>
+          </p:cNvSpPr>
+          <p:nvPr>
+            <p:ph idx="1"/>
+          </p:nvPr>
+        </p:nvSpPr>
+        <p:spPr>
+          <a:xfrm>
+            <a:off x="233680" y="914400"/>
+            <a:ext cx="11511280" cy="5476240"/>
+          </a:xfrm>
+        </p:spPr>
+        <p:txBody>
+          <a:bodyPr>
+            <a:normAutofit lnSpcReduction="10000"/>
+          </a:bodyPr>
+          <a:lstStyle/>
+          <a:p>
+            <a:r>
+              <a:rPr lang="en-US" dirty="0"/>
+              <a:t>We are achieving two things here </a:t>
+            </a:r>
+          </a:p>
+          <a:p>
+            <a:r>
+              <a:rPr lang="en-US" dirty="0"/>
+              <a:t>A. API Automation testing</a:t>
+            </a:r>
+          </a:p>
+          <a:p>
+            <a:r>
+              <a:rPr lang="en-US" dirty="0"/>
+              <a:t>B. API Performance testing</a:t>
+            </a:r>
+            <a:endParaRPr lang="en-IN" dirty="0"/>
+          </a:p>
+          <a:p>
+            <a:pPr marL="0" indent="0">
+              <a:buNone/>
+            </a:pPr>
+            <a:r>
+              <a:rPr lang="en-IN" dirty="0"/>
+              <a:t>Pros of this POC-</a:t>
+            </a:r>
+          </a:p>
+          <a:p>
+            <a:pPr marL="0" indent="0">
+              <a:buNone/>
+            </a:pPr>
+            <a:r>
+              <a:rPr lang="en-IN" dirty="0"/>
+              <a:t>1. Collections can be saved in git repository and can be version controlled.</a:t>
+            </a:r>
+          </a:p>
+          <a:p>
+            <a:pPr marL="0" indent="0">
+              <a:buNone/>
+            </a:pPr>
+            <a:r>
+              <a:rPr lang="en-IN" dirty="0"/>
+              <a:t>2. Raising PR is easy, and changes can be easily identified.</a:t>
+            </a:r>
+          </a:p>
+          <a:p>
+            <a:pPr marL="0" indent="0">
+              <a:buNone/>
+            </a:pPr>
+            <a:r>
+              <a:rPr lang="en-IN" dirty="0"/>
+              <a:t>Cons : </a:t>
+            </a:r>
+          </a:p>
+          <a:p>
+            <a:pPr marL="514350" indent="-514350">
+              <a:buAutoNum type="arabicPeriod"/>
+            </a:pPr>
+            <a:r>
+              <a:rPr lang="en-IN" dirty="0"/>
+              <a:t>Currently K6 does not support generating k6 matrix for each request separately, it rather generates for whole collection.</a:t>
+            </a:r>
+          </a:p>
+          <a:p>
+            <a:pPr marL="0" indent="0">
+              <a:buNone/>
+            </a:pPr>
+            <a:r>
+              <a:rPr lang="en-IN" dirty="0"/>
+              <a:t>Risk Mitigate: </a:t>
+            </a:r>
+          </a:p>
+          <a:p>
+            <a:pPr marL="0" indent="0">
+              <a:buNone/>
+            </a:pPr>
+            <a:r>
+              <a:rPr lang="en-IN" dirty="0"/>
+              <a:t>1. We can keep single request/endpoint in separate collection and export in single Json file. In this way we can generate html report for each request type.</a:t>
+            </a:r>
+          </a:p>
+          <a:p>
+            <a:pPr marL="0" indent="0">
+              <a:buNone/>
+            </a:pPr>
+            <a:endParaRPr lang="en-IN" dirty="0"/>
+          </a:p>
+          <a:p>
+            <a:pPr marL="0" indent="0">
+              <a:buNone/>
+            </a:pPr>
+            <a:endParaRPr lang="en-US" dirty="0"/>
+          </a:p>
+        </p:txBody>
+      </p:sp>
+    </p:spTree>
+    <p:extLst>
+      <p:ext uri="{BB962C8B-B14F-4D97-AF65-F5344CB8AC3E}">
+        <p14:creationId xmlns:p14="http://schemas.microsoft.com/office/powerpoint/2010/main" val="1739107751"/>
+      </p:ext>
+    </p:extLst>
+  </p:cSld>
+  <p:clrMapOvr>
+    <a:masterClrMapping/>
+  </p:clrMapOvr>
+</p:sld>
+</file>
+
 <file path=ppt/theme/theme1.xml><?xml version="1.0" encoding="utf-8"?>
 <a:theme xmlns:a="http://schemas.openxmlformats.org/drawingml/2006/main" name="Office Theme">
   <a:themeElements>
